--- a/VisionComputacionalEquipo6Superpixeles.pptx
+++ b/VisionComputacionalEquipo6Superpixeles.pptx
@@ -5,14 +5,15 @@
     <p:sldMasterId id="2147483648" r:id="rId1"/>
   </p:sldMasterIdLst>
   <p:notesMasterIdLst>
-    <p:notesMasterId r:id="rId7"/>
+    <p:notesMasterId r:id="rId8"/>
   </p:notesMasterIdLst>
   <p:sldIdLst>
     <p:sldId id="267" r:id="rId2"/>
-    <p:sldId id="268" r:id="rId3"/>
-    <p:sldId id="269" r:id="rId4"/>
-    <p:sldId id="256" r:id="rId5"/>
-    <p:sldId id="264" r:id="rId6"/>
+    <p:sldId id="270" r:id="rId3"/>
+    <p:sldId id="268" r:id="rId4"/>
+    <p:sldId id="269" r:id="rId5"/>
+    <p:sldId id="256" r:id="rId6"/>
+    <p:sldId id="264" r:id="rId7"/>
   </p:sldIdLst>
   <p:sldSz cx="12192000" cy="6858000"/>
   <p:notesSz cx="6858000" cy="9144000"/>
@@ -122,9 +123,561 @@
 <file path=ppt/revisionInfo.xml><?xml version="1.0" encoding="utf-8"?>
 <p1510:revInfo xmlns:a="http://schemas.openxmlformats.org/drawingml/2006/main" xmlns:r="http://schemas.openxmlformats.org/officeDocument/2006/relationships" xmlns:p1510="http://schemas.microsoft.com/office/powerpoint/2015/10/main">
   <p1510:revLst>
-    <p1510:client id="{3F36EB4E-6F07-4F6B-ABEA-4B79131E7242}" v="106" dt="2023-02-20T23:06:19.216"/>
+    <p1510:client id="{B763CCCF-A02B-4A0A-B625-DA719E7631D3}" v="37" dt="2023-02-22T22:16:36.122"/>
   </p1510:revLst>
 </p1510:revInfo>
+</file>
+
+<file path=ppt/changesInfos/changesInfo1.xml><?xml version="1.0" encoding="utf-8"?>
+<pc:chgInfo xmlns:a="http://schemas.openxmlformats.org/drawingml/2006/main" xmlns:r="http://schemas.openxmlformats.org/officeDocument/2006/relationships" xmlns:ac="http://schemas.microsoft.com/office/drawing/2013/main/command" xmlns:pc="http://schemas.microsoft.com/office/powerpoint/2013/main/command">
+  <pc:docChgLst>
+    <pc:chgData name="antonio lozano rabago" userId="721f91b0186c1bc4" providerId="LiveId" clId="{B763CCCF-A02B-4A0A-B625-DA719E7631D3}"/>
+    <pc:docChg chg="undo redo custSel addSld delSld modSld">
+      <pc:chgData name="antonio lozano rabago" userId="721f91b0186c1bc4" providerId="LiveId" clId="{B763CCCF-A02B-4A0A-B625-DA719E7631D3}" dt="2023-02-22T22:16:57.847" v="495" actId="47"/>
+      <pc:docMkLst>
+        <pc:docMk/>
+      </pc:docMkLst>
+      <pc:sldChg chg="modSp mod">
+        <pc:chgData name="antonio lozano rabago" userId="721f91b0186c1bc4" providerId="LiveId" clId="{B763CCCF-A02B-4A0A-B625-DA719E7631D3}" dt="2023-02-21T23:43:44.127" v="404" actId="122"/>
+        <pc:sldMkLst>
+          <pc:docMk/>
+          <pc:sldMk cId="594529515" sldId="267"/>
+        </pc:sldMkLst>
+        <pc:spChg chg="mod">
+          <ac:chgData name="antonio lozano rabago" userId="721f91b0186c1bc4" providerId="LiveId" clId="{B763CCCF-A02B-4A0A-B625-DA719E7631D3}" dt="2023-02-21T23:43:44.127" v="404" actId="122"/>
+          <ac:spMkLst>
+            <pc:docMk/>
+            <pc:sldMk cId="594529515" sldId="267"/>
+            <ac:spMk id="34" creationId="{482DC1C3-7DEB-735C-440F-69CC17AEAE0A}"/>
+          </ac:spMkLst>
+        </pc:spChg>
+      </pc:sldChg>
+      <pc:sldChg chg="modSp mod">
+        <pc:chgData name="antonio lozano rabago" userId="721f91b0186c1bc4" providerId="LiveId" clId="{B763CCCF-A02B-4A0A-B625-DA719E7631D3}" dt="2023-02-21T23:43:03.328" v="401" actId="14838"/>
+        <pc:sldMkLst>
+          <pc:docMk/>
+          <pc:sldMk cId="2961680860" sldId="268"/>
+        </pc:sldMkLst>
+        <pc:spChg chg="mod">
+          <ac:chgData name="antonio lozano rabago" userId="721f91b0186c1bc4" providerId="LiveId" clId="{B763CCCF-A02B-4A0A-B625-DA719E7631D3}" dt="2023-02-21T23:43:03.328" v="401" actId="14838"/>
+          <ac:spMkLst>
+            <pc:docMk/>
+            <pc:sldMk cId="2961680860" sldId="268"/>
+            <ac:spMk id="3" creationId="{DFA3BFC8-1C27-AA27-BCDA-52ED23228D1E}"/>
+          </ac:spMkLst>
+        </pc:spChg>
+      </pc:sldChg>
+      <pc:sldChg chg="modSp mod">
+        <pc:chgData name="antonio lozano rabago" userId="721f91b0186c1bc4" providerId="LiveId" clId="{B763CCCF-A02B-4A0A-B625-DA719E7631D3}" dt="2023-02-21T23:43:25.050" v="402" actId="108"/>
+        <pc:sldMkLst>
+          <pc:docMk/>
+          <pc:sldMk cId="4183812309" sldId="269"/>
+        </pc:sldMkLst>
+        <pc:spChg chg="mod">
+          <ac:chgData name="antonio lozano rabago" userId="721f91b0186c1bc4" providerId="LiveId" clId="{B763CCCF-A02B-4A0A-B625-DA719E7631D3}" dt="2023-02-21T23:43:25.050" v="402" actId="108"/>
+          <ac:spMkLst>
+            <pc:docMk/>
+            <pc:sldMk cId="4183812309" sldId="269"/>
+            <ac:spMk id="3" creationId="{DFA3BFC8-1C27-AA27-BCDA-52ED23228D1E}"/>
+          </ac:spMkLst>
+        </pc:spChg>
+      </pc:sldChg>
+      <pc:sldChg chg="addSp delSp modSp new mod">
+        <pc:chgData name="antonio lozano rabago" userId="721f91b0186c1bc4" providerId="LiveId" clId="{B763CCCF-A02B-4A0A-B625-DA719E7631D3}" dt="2023-02-22T22:09:06.746" v="470" actId="14100"/>
+        <pc:sldMkLst>
+          <pc:docMk/>
+          <pc:sldMk cId="3455663656" sldId="270"/>
+        </pc:sldMkLst>
+        <pc:spChg chg="del mod">
+          <ac:chgData name="antonio lozano rabago" userId="721f91b0186c1bc4" providerId="LiveId" clId="{B763CCCF-A02B-4A0A-B625-DA719E7631D3}" dt="2023-02-21T23:08:54.366" v="2" actId="478"/>
+          <ac:spMkLst>
+            <pc:docMk/>
+            <pc:sldMk cId="3455663656" sldId="270"/>
+            <ac:spMk id="2" creationId="{103E82BE-8D10-4532-1574-7855E71E19ED}"/>
+          </ac:spMkLst>
+        </pc:spChg>
+        <pc:spChg chg="del">
+          <ac:chgData name="antonio lozano rabago" userId="721f91b0186c1bc4" providerId="LiveId" clId="{B763CCCF-A02B-4A0A-B625-DA719E7631D3}" dt="2023-02-21T23:08:55.732" v="3" actId="478"/>
+          <ac:spMkLst>
+            <pc:docMk/>
+            <pc:sldMk cId="3455663656" sldId="270"/>
+            <ac:spMk id="3" creationId="{A7FF6350-6475-316E-88AC-EA8C51A6F787}"/>
+          </ac:spMkLst>
+        </pc:spChg>
+        <pc:spChg chg="add mod ord">
+          <ac:chgData name="antonio lozano rabago" userId="721f91b0186c1bc4" providerId="LiveId" clId="{B763CCCF-A02B-4A0A-B625-DA719E7631D3}" dt="2023-02-21T23:26:31.239" v="335" actId="1076"/>
+          <ac:spMkLst>
+            <pc:docMk/>
+            <pc:sldMk cId="3455663656" sldId="270"/>
+            <ac:spMk id="7" creationId="{90D4D921-5DFD-CCA6-B7C5-95C94C32B126}"/>
+          </ac:spMkLst>
+        </pc:spChg>
+        <pc:spChg chg="add mod ord">
+          <ac:chgData name="antonio lozano rabago" userId="721f91b0186c1bc4" providerId="LiveId" clId="{B763CCCF-A02B-4A0A-B625-DA719E7631D3}" dt="2023-02-22T22:09:00.062" v="468" actId="1076"/>
+          <ac:spMkLst>
+            <pc:docMk/>
+            <pc:sldMk cId="3455663656" sldId="270"/>
+            <ac:spMk id="8" creationId="{778A1674-E909-5AE2-F34D-7FCF066B0592}"/>
+          </ac:spMkLst>
+        </pc:spChg>
+        <pc:spChg chg="add del mod ord">
+          <ac:chgData name="antonio lozano rabago" userId="721f91b0186c1bc4" providerId="LiveId" clId="{B763CCCF-A02B-4A0A-B625-DA719E7631D3}" dt="2023-02-21T23:18:58.999" v="192" actId="478"/>
+          <ac:spMkLst>
+            <pc:docMk/>
+            <pc:sldMk cId="3455663656" sldId="270"/>
+            <ac:spMk id="9" creationId="{8442C62A-A0F2-633E-BC6E-287B6705DC7C}"/>
+          </ac:spMkLst>
+        </pc:spChg>
+        <pc:spChg chg="add del mod">
+          <ac:chgData name="antonio lozano rabago" userId="721f91b0186c1bc4" providerId="LiveId" clId="{B763CCCF-A02B-4A0A-B625-DA719E7631D3}" dt="2023-02-21T23:18:40.828" v="186" actId="478"/>
+          <ac:spMkLst>
+            <pc:docMk/>
+            <pc:sldMk cId="3455663656" sldId="270"/>
+            <ac:spMk id="10" creationId="{B7731EE3-91F8-DE79-F68A-6244D0972372}"/>
+          </ac:spMkLst>
+        </pc:spChg>
+        <pc:spChg chg="add del mod">
+          <ac:chgData name="antonio lozano rabago" userId="721f91b0186c1bc4" providerId="LiveId" clId="{B763CCCF-A02B-4A0A-B625-DA719E7631D3}" dt="2023-02-21T23:12:09.252" v="46" actId="478"/>
+          <ac:spMkLst>
+            <pc:docMk/>
+            <pc:sldMk cId="3455663656" sldId="270"/>
+            <ac:spMk id="11" creationId="{7C362F77-C029-756C-BAAD-0FB9112FF44B}"/>
+          </ac:spMkLst>
+        </pc:spChg>
+        <pc:spChg chg="add del mod">
+          <ac:chgData name="antonio lozano rabago" userId="721f91b0186c1bc4" providerId="LiveId" clId="{B763CCCF-A02B-4A0A-B625-DA719E7631D3}" dt="2023-02-21T23:12:10.204" v="47" actId="478"/>
+          <ac:spMkLst>
+            <pc:docMk/>
+            <pc:sldMk cId="3455663656" sldId="270"/>
+            <ac:spMk id="12" creationId="{66F27EA5-73D9-4174-23D4-AF29C3178639}"/>
+          </ac:spMkLst>
+        </pc:spChg>
+        <pc:spChg chg="add del mod">
+          <ac:chgData name="antonio lozano rabago" userId="721f91b0186c1bc4" providerId="LiveId" clId="{B763CCCF-A02B-4A0A-B625-DA719E7631D3}" dt="2023-02-21T23:12:11.368" v="48" actId="478"/>
+          <ac:spMkLst>
+            <pc:docMk/>
+            <pc:sldMk cId="3455663656" sldId="270"/>
+            <ac:spMk id="13" creationId="{0278F1E9-04E6-B11A-B2F8-0EC9E4D7013D}"/>
+          </ac:spMkLst>
+        </pc:spChg>
+        <pc:spChg chg="add mod">
+          <ac:chgData name="antonio lozano rabago" userId="721f91b0186c1bc4" providerId="LiveId" clId="{B763CCCF-A02B-4A0A-B625-DA719E7631D3}" dt="2023-02-21T23:12:01.448" v="43" actId="571"/>
+          <ac:spMkLst>
+            <pc:docMk/>
+            <pc:sldMk cId="3455663656" sldId="270"/>
+            <ac:spMk id="14" creationId="{7318FFB1-2130-9046-B236-A4592417FDBB}"/>
+          </ac:spMkLst>
+        </pc:spChg>
+        <pc:spChg chg="add mod">
+          <ac:chgData name="antonio lozano rabago" userId="721f91b0186c1bc4" providerId="LiveId" clId="{B763CCCF-A02B-4A0A-B625-DA719E7631D3}" dt="2023-02-21T23:12:01.448" v="43" actId="571"/>
+          <ac:spMkLst>
+            <pc:docMk/>
+            <pc:sldMk cId="3455663656" sldId="270"/>
+            <ac:spMk id="15" creationId="{3985EEB6-0B25-001B-7C78-FD79CD997E95}"/>
+          </ac:spMkLst>
+        </pc:spChg>
+        <pc:spChg chg="add mod">
+          <ac:chgData name="antonio lozano rabago" userId="721f91b0186c1bc4" providerId="LiveId" clId="{B763CCCF-A02B-4A0A-B625-DA719E7631D3}" dt="2023-02-21T23:12:01.448" v="43" actId="571"/>
+          <ac:spMkLst>
+            <pc:docMk/>
+            <pc:sldMk cId="3455663656" sldId="270"/>
+            <ac:spMk id="16" creationId="{0F21F44F-02BF-2EB9-9453-FA25EE6E3AB8}"/>
+          </ac:spMkLst>
+        </pc:spChg>
+        <pc:spChg chg="add mod">
+          <ac:chgData name="antonio lozano rabago" userId="721f91b0186c1bc4" providerId="LiveId" clId="{B763CCCF-A02B-4A0A-B625-DA719E7631D3}" dt="2023-02-21T23:12:01.448" v="43" actId="571"/>
+          <ac:spMkLst>
+            <pc:docMk/>
+            <pc:sldMk cId="3455663656" sldId="270"/>
+            <ac:spMk id="17" creationId="{4ADC98E5-5423-C04E-CC50-AECF34FDCBBA}"/>
+          </ac:spMkLst>
+        </pc:spChg>
+        <pc:spChg chg="add mod">
+          <ac:chgData name="antonio lozano rabago" userId="721f91b0186c1bc4" providerId="LiveId" clId="{B763CCCF-A02B-4A0A-B625-DA719E7631D3}" dt="2023-02-21T23:23:00.331" v="304" actId="1036"/>
+          <ac:spMkLst>
+            <pc:docMk/>
+            <pc:sldMk cId="3455663656" sldId="270"/>
+            <ac:spMk id="18" creationId="{555C8154-78D0-2578-ABF9-7875BD154119}"/>
+          </ac:spMkLst>
+        </pc:spChg>
+        <pc:spChg chg="add mod">
+          <ac:chgData name="antonio lozano rabago" userId="721f91b0186c1bc4" providerId="LiveId" clId="{B763CCCF-A02B-4A0A-B625-DA719E7631D3}" dt="2023-02-21T23:29:04.756" v="372" actId="14100"/>
+          <ac:spMkLst>
+            <pc:docMk/>
+            <pc:sldMk cId="3455663656" sldId="270"/>
+            <ac:spMk id="19" creationId="{F98792C6-890C-E85D-2E9F-8A75CAB7B157}"/>
+          </ac:spMkLst>
+        </pc:spChg>
+        <pc:spChg chg="add del mod">
+          <ac:chgData name="antonio lozano rabago" userId="721f91b0186c1bc4" providerId="LiveId" clId="{B763CCCF-A02B-4A0A-B625-DA719E7631D3}" dt="2023-02-21T23:18:58.163" v="191" actId="478"/>
+          <ac:spMkLst>
+            <pc:docMk/>
+            <pc:sldMk cId="3455663656" sldId="270"/>
+            <ac:spMk id="20" creationId="{FE6C98DF-F8CA-F6EB-BE7D-53035A8C921D}"/>
+          </ac:spMkLst>
+        </pc:spChg>
+        <pc:spChg chg="add del mod">
+          <ac:chgData name="antonio lozano rabago" userId="721f91b0186c1bc4" providerId="LiveId" clId="{B763CCCF-A02B-4A0A-B625-DA719E7631D3}" dt="2023-02-21T23:15:10.432" v="73"/>
+          <ac:spMkLst>
+            <pc:docMk/>
+            <pc:sldMk cId="3455663656" sldId="270"/>
+            <ac:spMk id="21" creationId="{CD1BEAF0-0E3E-6E15-C852-A7304FB9DFCC}"/>
+          </ac:spMkLst>
+        </pc:spChg>
+        <pc:spChg chg="add del mod">
+          <ac:chgData name="antonio lozano rabago" userId="721f91b0186c1bc4" providerId="LiveId" clId="{B763CCCF-A02B-4A0A-B625-DA719E7631D3}" dt="2023-02-21T23:15:10.432" v="73"/>
+          <ac:spMkLst>
+            <pc:docMk/>
+            <pc:sldMk cId="3455663656" sldId="270"/>
+            <ac:spMk id="22" creationId="{0E464608-AE7C-A65D-A9B2-1D2B939EBEAA}"/>
+          </ac:spMkLst>
+        </pc:spChg>
+        <pc:spChg chg="add del mod">
+          <ac:chgData name="antonio lozano rabago" userId="721f91b0186c1bc4" providerId="LiveId" clId="{B763CCCF-A02B-4A0A-B625-DA719E7631D3}" dt="2023-02-21T23:15:10.432" v="73"/>
+          <ac:spMkLst>
+            <pc:docMk/>
+            <pc:sldMk cId="3455663656" sldId="270"/>
+            <ac:spMk id="23" creationId="{DBE70B84-3D93-390A-A5FE-C74451199FA7}"/>
+          </ac:spMkLst>
+        </pc:spChg>
+        <pc:spChg chg="add del mod">
+          <ac:chgData name="antonio lozano rabago" userId="721f91b0186c1bc4" providerId="LiveId" clId="{B763CCCF-A02B-4A0A-B625-DA719E7631D3}" dt="2023-02-21T23:15:14.709" v="77"/>
+          <ac:spMkLst>
+            <pc:docMk/>
+            <pc:sldMk cId="3455663656" sldId="270"/>
+            <ac:spMk id="24" creationId="{C234E74E-8AE6-DB0B-5EBF-1F06DDBCDD57}"/>
+          </ac:spMkLst>
+        </pc:spChg>
+        <pc:spChg chg="add del mod">
+          <ac:chgData name="antonio lozano rabago" userId="721f91b0186c1bc4" providerId="LiveId" clId="{B763CCCF-A02B-4A0A-B625-DA719E7631D3}" dt="2023-02-21T23:15:14.709" v="77"/>
+          <ac:spMkLst>
+            <pc:docMk/>
+            <pc:sldMk cId="3455663656" sldId="270"/>
+            <ac:spMk id="25" creationId="{D4616851-794D-7F3C-BA46-D3F90A5CBC08}"/>
+          </ac:spMkLst>
+        </pc:spChg>
+        <pc:spChg chg="add del mod">
+          <ac:chgData name="antonio lozano rabago" userId="721f91b0186c1bc4" providerId="LiveId" clId="{B763CCCF-A02B-4A0A-B625-DA719E7631D3}" dt="2023-02-21T23:15:14.709" v="77"/>
+          <ac:spMkLst>
+            <pc:docMk/>
+            <pc:sldMk cId="3455663656" sldId="270"/>
+            <ac:spMk id="26" creationId="{316A8F3C-1D1C-27F4-AE65-261148C5DD89}"/>
+          </ac:spMkLst>
+        </pc:spChg>
+        <pc:spChg chg="add del mod">
+          <ac:chgData name="antonio lozano rabago" userId="721f91b0186c1bc4" providerId="LiveId" clId="{B763CCCF-A02B-4A0A-B625-DA719E7631D3}" dt="2023-02-21T23:19:07.714" v="196" actId="478"/>
+          <ac:spMkLst>
+            <pc:docMk/>
+            <pc:sldMk cId="3455663656" sldId="270"/>
+            <ac:spMk id="27" creationId="{2F80DF44-C948-B12A-E552-E5E4B8474920}"/>
+          </ac:spMkLst>
+        </pc:spChg>
+        <pc:spChg chg="add del mod">
+          <ac:chgData name="antonio lozano rabago" userId="721f91b0186c1bc4" providerId="LiveId" clId="{B763CCCF-A02B-4A0A-B625-DA719E7631D3}" dt="2023-02-21T23:19:06.450" v="195" actId="478"/>
+          <ac:spMkLst>
+            <pc:docMk/>
+            <pc:sldMk cId="3455663656" sldId="270"/>
+            <ac:spMk id="28" creationId="{D62B2306-FAB5-3E53-398D-341F4F8F5DF2}"/>
+          </ac:spMkLst>
+        </pc:spChg>
+        <pc:spChg chg="add del mod">
+          <ac:chgData name="antonio lozano rabago" userId="721f91b0186c1bc4" providerId="LiveId" clId="{B763CCCF-A02B-4A0A-B625-DA719E7631D3}" dt="2023-02-21T23:19:05.164" v="194" actId="478"/>
+          <ac:spMkLst>
+            <pc:docMk/>
+            <pc:sldMk cId="3455663656" sldId="270"/>
+            <ac:spMk id="29" creationId="{BB0F1A08-1D59-2F45-E100-00B14E857FEA}"/>
+          </ac:spMkLst>
+        </pc:spChg>
+        <pc:spChg chg="add del mod">
+          <ac:chgData name="antonio lozano rabago" userId="721f91b0186c1bc4" providerId="LiveId" clId="{B763CCCF-A02B-4A0A-B625-DA719E7631D3}" dt="2023-02-21T23:19:08.879" v="197" actId="478"/>
+          <ac:spMkLst>
+            <pc:docMk/>
+            <pc:sldMk cId="3455663656" sldId="270"/>
+            <ac:spMk id="30" creationId="{EB844C4F-7AD6-882C-B016-5BC05D74C55A}"/>
+          </ac:spMkLst>
+        </pc:spChg>
+        <pc:spChg chg="add del mod">
+          <ac:chgData name="antonio lozano rabago" userId="721f91b0186c1bc4" providerId="LiveId" clId="{B763CCCF-A02B-4A0A-B625-DA719E7631D3}" dt="2023-02-21T23:19:02.886" v="193" actId="478"/>
+          <ac:spMkLst>
+            <pc:docMk/>
+            <pc:sldMk cId="3455663656" sldId="270"/>
+            <ac:spMk id="31" creationId="{DE9811B2-0F41-A143-4167-7CF17F8F64A9}"/>
+          </ac:spMkLst>
+        </pc:spChg>
+        <pc:spChg chg="add del mod">
+          <ac:chgData name="antonio lozano rabago" userId="721f91b0186c1bc4" providerId="LiveId" clId="{B763CCCF-A02B-4A0A-B625-DA719E7631D3}" dt="2023-02-21T23:19:05.164" v="194" actId="478"/>
+          <ac:spMkLst>
+            <pc:docMk/>
+            <pc:sldMk cId="3455663656" sldId="270"/>
+            <ac:spMk id="32" creationId="{3FFEFE26-2979-AAB3-E188-D7AF95E5A120}"/>
+          </ac:spMkLst>
+        </pc:spChg>
+        <pc:spChg chg="add del mod">
+          <ac:chgData name="antonio lozano rabago" userId="721f91b0186c1bc4" providerId="LiveId" clId="{B763CCCF-A02B-4A0A-B625-DA719E7631D3}" dt="2023-02-21T23:19:10.084" v="198" actId="478"/>
+          <ac:spMkLst>
+            <pc:docMk/>
+            <pc:sldMk cId="3455663656" sldId="270"/>
+            <ac:spMk id="33" creationId="{B13B238F-1B9C-F0A4-ED35-6FCF2ADD8932}"/>
+          </ac:spMkLst>
+        </pc:spChg>
+        <pc:spChg chg="add del mod">
+          <ac:chgData name="antonio lozano rabago" userId="721f91b0186c1bc4" providerId="LiveId" clId="{B763CCCF-A02B-4A0A-B625-DA719E7631D3}" dt="2023-02-21T23:19:02.886" v="193" actId="478"/>
+          <ac:spMkLst>
+            <pc:docMk/>
+            <pc:sldMk cId="3455663656" sldId="270"/>
+            <ac:spMk id="34" creationId="{0FF2CDA0-E1DF-0D98-48CB-D0E53AB8C731}"/>
+          </ac:spMkLst>
+        </pc:spChg>
+        <pc:spChg chg="add del mod">
+          <ac:chgData name="antonio lozano rabago" userId="721f91b0186c1bc4" providerId="LiveId" clId="{B763CCCF-A02B-4A0A-B625-DA719E7631D3}" dt="2023-02-21T23:19:05.164" v="194" actId="478"/>
+          <ac:spMkLst>
+            <pc:docMk/>
+            <pc:sldMk cId="3455663656" sldId="270"/>
+            <ac:spMk id="35" creationId="{4058544E-6E5C-5AE4-B40D-0923984423A3}"/>
+          </ac:spMkLst>
+        </pc:spChg>
+        <pc:spChg chg="add mod">
+          <ac:chgData name="antonio lozano rabago" userId="721f91b0186c1bc4" providerId="LiveId" clId="{B763CCCF-A02B-4A0A-B625-DA719E7631D3}" dt="2023-02-21T23:35:20.106" v="399" actId="1038"/>
+          <ac:spMkLst>
+            <pc:docMk/>
+            <pc:sldMk cId="3455663656" sldId="270"/>
+            <ac:spMk id="36" creationId="{24BC0DE0-F9F8-7171-FC60-D851A382052A}"/>
+          </ac:spMkLst>
+        </pc:spChg>
+        <pc:spChg chg="add mod">
+          <ac:chgData name="antonio lozano rabago" userId="721f91b0186c1bc4" providerId="LiveId" clId="{B763CCCF-A02B-4A0A-B625-DA719E7631D3}" dt="2023-02-21T23:22:57.735" v="303" actId="1038"/>
+          <ac:spMkLst>
+            <pc:docMk/>
+            <pc:sldMk cId="3455663656" sldId="270"/>
+            <ac:spMk id="37" creationId="{5A057BDF-D507-2241-A8C1-143104EF4514}"/>
+          </ac:spMkLst>
+        </pc:spChg>
+        <pc:spChg chg="add mod">
+          <ac:chgData name="antonio lozano rabago" userId="721f91b0186c1bc4" providerId="LiveId" clId="{B763CCCF-A02B-4A0A-B625-DA719E7631D3}" dt="2023-02-21T23:28:10.315" v="355" actId="1036"/>
+          <ac:spMkLst>
+            <pc:docMk/>
+            <pc:sldMk cId="3455663656" sldId="270"/>
+            <ac:spMk id="38" creationId="{45E9C6B3-0C8C-9FE2-211E-383C4DA36B6A}"/>
+          </ac:spMkLst>
+        </pc:spChg>
+        <pc:spChg chg="add mod">
+          <ac:chgData name="antonio lozano rabago" userId="721f91b0186c1bc4" providerId="LiveId" clId="{B763CCCF-A02B-4A0A-B625-DA719E7631D3}" dt="2023-02-21T23:34:20.828" v="394" actId="1037"/>
+          <ac:spMkLst>
+            <pc:docMk/>
+            <pc:sldMk cId="3455663656" sldId="270"/>
+            <ac:spMk id="39" creationId="{55B96153-AEA1-E39B-EDBF-62C622C8F639}"/>
+          </ac:spMkLst>
+        </pc:spChg>
+        <pc:spChg chg="add mod">
+          <ac:chgData name="antonio lozano rabago" userId="721f91b0186c1bc4" providerId="LiveId" clId="{B763CCCF-A02B-4A0A-B625-DA719E7631D3}" dt="2023-02-21T23:22:20.571" v="290" actId="2085"/>
+          <ac:spMkLst>
+            <pc:docMk/>
+            <pc:sldMk cId="3455663656" sldId="270"/>
+            <ac:spMk id="40" creationId="{C2AF211C-2E40-6A9F-1187-7AB79BC04BD4}"/>
+          </ac:spMkLst>
+        </pc:spChg>
+        <pc:spChg chg="add mod">
+          <ac:chgData name="antonio lozano rabago" userId="721f91b0186c1bc4" providerId="LiveId" clId="{B763CCCF-A02B-4A0A-B625-DA719E7631D3}" dt="2023-02-21T23:22:40.781" v="294" actId="1037"/>
+          <ac:spMkLst>
+            <pc:docMk/>
+            <pc:sldMk cId="3455663656" sldId="270"/>
+            <ac:spMk id="41" creationId="{E066DF3A-0C74-0AA2-2FD3-6718397149F8}"/>
+          </ac:spMkLst>
+        </pc:spChg>
+        <pc:spChg chg="add mod">
+          <ac:chgData name="antonio lozano rabago" userId="721f91b0186c1bc4" providerId="LiveId" clId="{B763CCCF-A02B-4A0A-B625-DA719E7631D3}" dt="2023-02-21T23:34:02.344" v="382" actId="1037"/>
+          <ac:spMkLst>
+            <pc:docMk/>
+            <pc:sldMk cId="3455663656" sldId="270"/>
+            <ac:spMk id="42" creationId="{632C0F10-20D0-F295-1DCA-3C73947B7A2D}"/>
+          </ac:spMkLst>
+        </pc:spChg>
+        <pc:spChg chg="add mod">
+          <ac:chgData name="antonio lozano rabago" userId="721f91b0186c1bc4" providerId="LiveId" clId="{B763CCCF-A02B-4A0A-B625-DA719E7631D3}" dt="2023-02-21T23:22:05.212" v="287" actId="207"/>
+          <ac:spMkLst>
+            <pc:docMk/>
+            <pc:sldMk cId="3455663656" sldId="270"/>
+            <ac:spMk id="43" creationId="{047251B5-509A-4431-4BF9-3B6AD8CE9299}"/>
+          </ac:spMkLst>
+        </pc:spChg>
+        <pc:spChg chg="add mod">
+          <ac:chgData name="antonio lozano rabago" userId="721f91b0186c1bc4" providerId="LiveId" clId="{B763CCCF-A02B-4A0A-B625-DA719E7631D3}" dt="2023-02-21T23:23:16.415" v="306" actId="207"/>
+          <ac:spMkLst>
+            <pc:docMk/>
+            <pc:sldMk cId="3455663656" sldId="270"/>
+            <ac:spMk id="44" creationId="{06C04A7E-7D35-B64F-D085-C19081281924}"/>
+          </ac:spMkLst>
+        </pc:spChg>
+        <pc:spChg chg="add mod">
+          <ac:chgData name="antonio lozano rabago" userId="721f91b0186c1bc4" providerId="LiveId" clId="{B763CCCF-A02B-4A0A-B625-DA719E7631D3}" dt="2023-02-21T23:33:59.647" v="381" actId="1037"/>
+          <ac:spMkLst>
+            <pc:docMk/>
+            <pc:sldMk cId="3455663656" sldId="270"/>
+            <ac:spMk id="45" creationId="{8E6FB8B1-1418-21B2-4A2E-0F5C4D1DA754}"/>
+          </ac:spMkLst>
+        </pc:spChg>
+        <pc:spChg chg="add mod">
+          <ac:chgData name="antonio lozano rabago" userId="721f91b0186c1bc4" providerId="LiveId" clId="{B763CCCF-A02B-4A0A-B625-DA719E7631D3}" dt="2023-02-22T22:09:04.591" v="469" actId="1076"/>
+          <ac:spMkLst>
+            <pc:docMk/>
+            <pc:sldMk cId="3455663656" sldId="270"/>
+            <ac:spMk id="59" creationId="{134C309E-ACFE-82CE-4CFE-56C42F539185}"/>
+          </ac:spMkLst>
+        </pc:spChg>
+        <pc:grpChg chg="add mod">
+          <ac:chgData name="antonio lozano rabago" userId="721f91b0186c1bc4" providerId="LiveId" clId="{B763CCCF-A02B-4A0A-B625-DA719E7631D3}" dt="2023-02-21T23:34:16.079" v="393" actId="1038"/>
+          <ac:grpSpMkLst>
+            <pc:docMk/>
+            <pc:sldMk cId="3455663656" sldId="270"/>
+            <ac:grpSpMk id="46" creationId="{E0040760-19CA-2D96-5622-4D5E3AFBB570}"/>
+          </ac:grpSpMkLst>
+        </pc:grpChg>
+        <pc:picChg chg="add mod">
+          <ac:chgData name="antonio lozano rabago" userId="721f91b0186c1bc4" providerId="LiveId" clId="{B763CCCF-A02B-4A0A-B625-DA719E7631D3}" dt="2023-02-21T23:25:24.539" v="324"/>
+          <ac:picMkLst>
+            <pc:docMk/>
+            <pc:sldMk cId="3455663656" sldId="270"/>
+            <ac:picMk id="47" creationId="{FAAD8C08-3988-00A6-27E5-59AA55D0E25E}"/>
+          </ac:picMkLst>
+        </pc:picChg>
+        <pc:cxnChg chg="add mod">
+          <ac:chgData name="antonio lozano rabago" userId="721f91b0186c1bc4" providerId="LiveId" clId="{B763CCCF-A02B-4A0A-B625-DA719E7631D3}" dt="2023-02-22T21:43:35.681" v="406" actId="1076"/>
+          <ac:cxnSpMkLst>
+            <pc:docMk/>
+            <pc:sldMk cId="3455663656" sldId="270"/>
+            <ac:cxnSpMk id="49" creationId="{8EE0AFD9-CD64-BDDC-A1E5-62E496610A95}"/>
+          </ac:cxnSpMkLst>
+        </pc:cxnChg>
+        <pc:cxnChg chg="add mod">
+          <ac:chgData name="antonio lozano rabago" userId="721f91b0186c1bc4" providerId="LiveId" clId="{B763CCCF-A02B-4A0A-B625-DA719E7631D3}" dt="2023-02-22T21:43:35.681" v="406" actId="1076"/>
+          <ac:cxnSpMkLst>
+            <pc:docMk/>
+            <pc:sldMk cId="3455663656" sldId="270"/>
+            <ac:cxnSpMk id="53" creationId="{425030CD-3A86-3AE9-19F6-C0AED3A9D721}"/>
+          </ac:cxnSpMkLst>
+        </pc:cxnChg>
+        <pc:cxnChg chg="add mod">
+          <ac:chgData name="antonio lozano rabago" userId="721f91b0186c1bc4" providerId="LiveId" clId="{B763CCCF-A02B-4A0A-B625-DA719E7631D3}" dt="2023-02-22T21:43:35.681" v="406" actId="1076"/>
+          <ac:cxnSpMkLst>
+            <pc:docMk/>
+            <pc:sldMk cId="3455663656" sldId="270"/>
+            <ac:cxnSpMk id="54" creationId="{38CD856E-DC34-7B40-6553-94186E315552}"/>
+          </ac:cxnSpMkLst>
+        </pc:cxnChg>
+        <pc:cxnChg chg="add mod">
+          <ac:chgData name="antonio lozano rabago" userId="721f91b0186c1bc4" providerId="LiveId" clId="{B763CCCF-A02B-4A0A-B625-DA719E7631D3}" dt="2023-02-22T22:09:06.746" v="470" actId="14100"/>
+          <ac:cxnSpMkLst>
+            <pc:docMk/>
+            <pc:sldMk cId="3455663656" sldId="270"/>
+            <ac:cxnSpMk id="57" creationId="{BC182FC9-AE46-25E1-B2F6-FD3E4A1990B8}"/>
+          </ac:cxnSpMkLst>
+        </pc:cxnChg>
+        <pc:cxnChg chg="add mod">
+          <ac:chgData name="antonio lozano rabago" userId="721f91b0186c1bc4" providerId="LiveId" clId="{B763CCCF-A02B-4A0A-B625-DA719E7631D3}" dt="2023-02-22T21:43:35.681" v="406" actId="1076"/>
+          <ac:cxnSpMkLst>
+            <pc:docMk/>
+            <pc:sldMk cId="3455663656" sldId="270"/>
+            <ac:cxnSpMk id="58" creationId="{084EC46B-6275-3F91-2CDE-F8E3EF38F5A1}"/>
+          </ac:cxnSpMkLst>
+        </pc:cxnChg>
+      </pc:sldChg>
+      <pc:sldChg chg="new del">
+        <pc:chgData name="antonio lozano rabago" userId="721f91b0186c1bc4" providerId="LiveId" clId="{B763CCCF-A02B-4A0A-B625-DA719E7631D3}" dt="2023-02-22T22:16:57.847" v="495" actId="47"/>
+        <pc:sldMkLst>
+          <pc:docMk/>
+          <pc:sldMk cId="353718314" sldId="271"/>
+        </pc:sldMkLst>
+      </pc:sldChg>
+      <pc:sldChg chg="addSp delSp modSp add del mod">
+        <pc:chgData name="antonio lozano rabago" userId="721f91b0186c1bc4" providerId="LiveId" clId="{B763CCCF-A02B-4A0A-B625-DA719E7631D3}" dt="2023-02-22T22:16:56.963" v="494" actId="47"/>
+        <pc:sldMkLst>
+          <pc:docMk/>
+          <pc:sldMk cId="172386379" sldId="272"/>
+        </pc:sldMkLst>
+        <pc:spChg chg="del">
+          <ac:chgData name="antonio lozano rabago" userId="721f91b0186c1bc4" providerId="LiveId" clId="{B763CCCF-A02B-4A0A-B625-DA719E7631D3}" dt="2023-02-22T22:15:50.595" v="475" actId="478"/>
+          <ac:spMkLst>
+            <pc:docMk/>
+            <pc:sldMk cId="172386379" sldId="272"/>
+            <ac:spMk id="7" creationId="{90D4D921-5DFD-CCA6-B7C5-95C94C32B126}"/>
+          </ac:spMkLst>
+        </pc:spChg>
+        <pc:grpChg chg="del">
+          <ac:chgData name="antonio lozano rabago" userId="721f91b0186c1bc4" providerId="LiveId" clId="{B763CCCF-A02B-4A0A-B625-DA719E7631D3}" dt="2023-02-22T22:15:51.797" v="476" actId="478"/>
+          <ac:grpSpMkLst>
+            <pc:docMk/>
+            <pc:sldMk cId="172386379" sldId="272"/>
+            <ac:grpSpMk id="46" creationId="{E0040760-19CA-2D96-5622-4D5E3AFBB570}"/>
+          </ac:grpSpMkLst>
+        </pc:grpChg>
+        <pc:picChg chg="add del">
+          <ac:chgData name="antonio lozano rabago" userId="721f91b0186c1bc4" providerId="LiveId" clId="{B763CCCF-A02B-4A0A-B625-DA719E7631D3}" dt="2023-02-22T22:15:48.367" v="474"/>
+          <ac:picMkLst>
+            <pc:docMk/>
+            <pc:sldMk cId="172386379" sldId="272"/>
+            <ac:picMk id="1026" creationId="{0F988480-D5FE-FCF6-084A-40C54D33DDF6}"/>
+          </ac:picMkLst>
+        </pc:picChg>
+        <pc:picChg chg="add mod">
+          <ac:chgData name="antonio lozano rabago" userId="721f91b0186c1bc4" providerId="LiveId" clId="{B763CCCF-A02B-4A0A-B625-DA719E7631D3}" dt="2023-02-22T22:16:36.122" v="493" actId="14100"/>
+          <ac:picMkLst>
+            <pc:docMk/>
+            <pc:sldMk cId="172386379" sldId="272"/>
+            <ac:picMk id="1028" creationId="{12E5D2E7-6B68-AC5C-5EB2-E02C02C9B40D}"/>
+          </ac:picMkLst>
+        </pc:picChg>
+        <pc:picChg chg="add mod">
+          <ac:chgData name="antonio lozano rabago" userId="721f91b0186c1bc4" providerId="LiveId" clId="{B763CCCF-A02B-4A0A-B625-DA719E7631D3}" dt="2023-02-22T22:16:31.955" v="492" actId="1076"/>
+          <ac:picMkLst>
+            <pc:docMk/>
+            <pc:sldMk cId="172386379" sldId="272"/>
+            <ac:picMk id="1030" creationId="{F4B9E6C0-B1BD-6257-F18F-074FD15C48A3}"/>
+          </ac:picMkLst>
+        </pc:picChg>
+        <pc:cxnChg chg="del">
+          <ac:chgData name="antonio lozano rabago" userId="721f91b0186c1bc4" providerId="LiveId" clId="{B763CCCF-A02B-4A0A-B625-DA719E7631D3}" dt="2023-02-22T22:15:55.464" v="480" actId="478"/>
+          <ac:cxnSpMkLst>
+            <pc:docMk/>
+            <pc:sldMk cId="172386379" sldId="272"/>
+            <ac:cxnSpMk id="49" creationId="{8EE0AFD9-CD64-BDDC-A1E5-62E496610A95}"/>
+          </ac:cxnSpMkLst>
+        </pc:cxnChg>
+        <pc:cxnChg chg="del">
+          <ac:chgData name="antonio lozano rabago" userId="721f91b0186c1bc4" providerId="LiveId" clId="{B763CCCF-A02B-4A0A-B625-DA719E7631D3}" dt="2023-02-22T22:15:52.690" v="477" actId="478"/>
+          <ac:cxnSpMkLst>
+            <pc:docMk/>
+            <pc:sldMk cId="172386379" sldId="272"/>
+            <ac:cxnSpMk id="53" creationId="{425030CD-3A86-3AE9-19F6-C0AED3A9D721}"/>
+          </ac:cxnSpMkLst>
+        </pc:cxnChg>
+        <pc:cxnChg chg="del">
+          <ac:chgData name="antonio lozano rabago" userId="721f91b0186c1bc4" providerId="LiveId" clId="{B763CCCF-A02B-4A0A-B625-DA719E7631D3}" dt="2023-02-22T22:15:53.581" v="478" actId="478"/>
+          <ac:cxnSpMkLst>
+            <pc:docMk/>
+            <pc:sldMk cId="172386379" sldId="272"/>
+            <ac:cxnSpMk id="54" creationId="{38CD856E-DC34-7B40-6553-94186E315552}"/>
+          </ac:cxnSpMkLst>
+        </pc:cxnChg>
+        <pc:cxnChg chg="del mod">
+          <ac:chgData name="antonio lozano rabago" userId="721f91b0186c1bc4" providerId="LiveId" clId="{B763CCCF-A02B-4A0A-B625-DA719E7631D3}" dt="2023-02-22T22:15:54.547" v="479" actId="478"/>
+          <ac:cxnSpMkLst>
+            <pc:docMk/>
+            <pc:sldMk cId="172386379" sldId="272"/>
+            <ac:cxnSpMk id="57" creationId="{BC182FC9-AE46-25E1-B2F6-FD3E4A1990B8}"/>
+          </ac:cxnSpMkLst>
+        </pc:cxnChg>
+        <pc:cxnChg chg="del">
+          <ac:chgData name="antonio lozano rabago" userId="721f91b0186c1bc4" providerId="LiveId" clId="{B763CCCF-A02B-4A0A-B625-DA719E7631D3}" dt="2023-02-22T22:15:56.438" v="481" actId="478"/>
+          <ac:cxnSpMkLst>
+            <pc:docMk/>
+            <pc:sldMk cId="172386379" sldId="272"/>
+            <ac:cxnSpMk id="58" creationId="{084EC46B-6275-3F91-2CDE-F8E3EF38F5A1}"/>
+          </ac:cxnSpMkLst>
+        </pc:cxnChg>
+      </pc:sldChg>
+    </pc:docChg>
+  </pc:docChgLst>
+</pc:chgInfo>
 </file>
 
 <file path=ppt/notesMasters/notesMaster1.xml><?xml version="1.0" encoding="utf-8"?>
@@ -209,7 +762,7 @@
           <a:p>
             <a:fld id="{D8C4438F-3931-4F90-8105-CF5C7EDECD7D}" type="datetimeFigureOut">
               <a:rPr lang="es-MX" smtClean="0"/>
-              <a:t>20/02/2023</a:t>
+              <a:t>21/02/2023</a:t>
             </a:fld>
             <a:endParaRPr lang="es-MX"/>
           </a:p>
@@ -626,7 +1179,7 @@
           <a:p>
             <a:fld id="{7E139316-2FA8-41EA-8D6A-2CE88ED8F532}" type="datetime1">
               <a:rPr lang="es-MX" smtClean="0"/>
-              <a:t>20/02/2023</a:t>
+              <a:t>21/02/2023</a:t>
             </a:fld>
             <a:endParaRPr lang="es-MX"/>
           </a:p>
@@ -829,7 +1382,7 @@
           <a:p>
             <a:fld id="{B5F62032-B1D6-4D40-9B8C-9A85DDC6F37C}" type="datetime1">
               <a:rPr lang="es-MX" smtClean="0"/>
-              <a:t>20/02/2023</a:t>
+              <a:t>21/02/2023</a:t>
             </a:fld>
             <a:endParaRPr lang="es-MX"/>
           </a:p>
@@ -1042,7 +1595,7 @@
           <a:p>
             <a:fld id="{1AE8CB17-6ECE-4B4A-AC28-BCCD5E0A840A}" type="datetime1">
               <a:rPr lang="es-MX" smtClean="0"/>
-              <a:t>20/02/2023</a:t>
+              <a:t>21/02/2023</a:t>
             </a:fld>
             <a:endParaRPr lang="es-MX"/>
           </a:p>
@@ -1245,7 +1798,7 @@
           <a:p>
             <a:fld id="{E0C065C9-BCFA-49DB-BFF1-34FB3EA57A6A}" type="datetime1">
               <a:rPr lang="es-MX" smtClean="0"/>
-              <a:t>20/02/2023</a:t>
+              <a:t>21/02/2023</a:t>
             </a:fld>
             <a:endParaRPr lang="es-MX"/>
           </a:p>
@@ -1524,7 +2077,7 @@
           <a:p>
             <a:fld id="{D3FB0BD8-D6D8-4EF8-AE47-1C1D21089877}" type="datetime1">
               <a:rPr lang="es-MX" smtClean="0"/>
-              <a:t>20/02/2023</a:t>
+              <a:t>21/02/2023</a:t>
             </a:fld>
             <a:endParaRPr lang="es-MX"/>
           </a:p>
@@ -1795,7 +2348,7 @@
           <a:p>
             <a:fld id="{D96636CD-E84E-4F3D-8CC4-F1DFA95E0348}" type="datetime1">
               <a:rPr lang="es-MX" smtClean="0"/>
-              <a:t>20/02/2023</a:t>
+              <a:t>21/02/2023</a:t>
             </a:fld>
             <a:endParaRPr lang="es-MX"/>
           </a:p>
@@ -2213,7 +2766,7 @@
           <a:p>
             <a:fld id="{7499A84E-F4FE-4E21-9DCC-D49E304517B9}" type="datetime1">
               <a:rPr lang="es-MX" smtClean="0"/>
-              <a:t>20/02/2023</a:t>
+              <a:t>21/02/2023</a:t>
             </a:fld>
             <a:endParaRPr lang="es-MX"/>
           </a:p>
@@ -2358,7 +2911,7 @@
           <a:p>
             <a:fld id="{8FA9A25D-E14E-4287-A387-9A050F5DA6AC}" type="datetime1">
               <a:rPr lang="es-MX" smtClean="0"/>
-              <a:t>20/02/2023</a:t>
+              <a:t>21/02/2023</a:t>
             </a:fld>
             <a:endParaRPr lang="es-MX"/>
           </a:p>
@@ -2474,7 +3027,7 @@
           <a:p>
             <a:fld id="{B0931F71-2382-4739-95E1-F64299163018}" type="datetime1">
               <a:rPr lang="es-MX" smtClean="0"/>
-              <a:t>20/02/2023</a:t>
+              <a:t>21/02/2023</a:t>
             </a:fld>
             <a:endParaRPr lang="es-MX"/>
           </a:p>
@@ -2790,7 +3343,7 @@
           <a:p>
             <a:fld id="{E9ACB270-E20F-4AA7-A18A-4C5C7A3F9371}" type="datetime1">
               <a:rPr lang="es-MX" smtClean="0"/>
-              <a:t>20/02/2023</a:t>
+              <a:t>21/02/2023</a:t>
             </a:fld>
             <a:endParaRPr lang="es-MX"/>
           </a:p>
@@ -3082,7 +3635,7 @@
           <a:p>
             <a:fld id="{CB76735F-1050-438F-9BD8-C9EC4CF4DB22}" type="datetime1">
               <a:rPr lang="es-MX" smtClean="0"/>
-              <a:t>20/02/2023</a:t>
+              <a:t>21/02/2023</a:t>
             </a:fld>
             <a:endParaRPr lang="es-MX"/>
           </a:p>
@@ -3328,7 +3881,7 @@
           <a:p>
             <a:fld id="{82B70474-1AB4-4B07-AF73-A595100D05FD}" type="datetime1">
               <a:rPr lang="es-MX" smtClean="0"/>
-              <a:t>20/02/2023</a:t>
+              <a:t>21/02/2023</a:t>
             </a:fld>
             <a:endParaRPr lang="es-MX"/>
           </a:p>
@@ -4305,25 +4858,27 @@
           <a:prstGeom prst="rect">
             <a:avLst/>
           </a:prstGeom>
-          <a:noFill/>
         </p:spPr>
         <p:txBody>
-          <a:bodyPr wrap="square">
-            <a:spAutoFit/>
+          <a:bodyPr vert="horz" lIns="91440" tIns="45720" rIns="91440" bIns="45720" rtlCol="0" anchor="t">
+            <a:normAutofit/>
           </a:bodyPr>
-          <a:lstStyle/>
-          <a:p>
-            <a:pPr algn="ctr">
+          <a:lstStyle>
+            <a:lvl1pPr>
               <a:lnSpc>
                 <a:spcPct val="90000"/>
               </a:lnSpc>
               <a:spcBef>
                 <a:spcPct val="0"/>
               </a:spcBef>
-            </a:pPr>
-            <a:r>
-              <a:rPr lang="es-MX" sz="4400" b="1" dirty="0">
+              <a:buNone/>
+              <a:defRPr sz="4400" b="1">
                 <a:effectLst>
+                  <a:glow rad="139700">
+                    <a:schemeClr val="bg1">
+                      <a:alpha val="40000"/>
+                    </a:schemeClr>
+                  </a:glow>
                   <a:outerShdw blurRad="50800" dist="38100" dir="2700000" algn="tl" rotWithShape="0">
                     <a:prstClr val="black">
                       <a:alpha val="40000"/>
@@ -4333,7 +4888,13 @@
                 <a:latin typeface="+mj-lt"/>
                 <a:ea typeface="+mj-ea"/>
                 <a:cs typeface="+mj-cs"/>
-              </a:rPr>
+              </a:defRPr>
+            </a:lvl1pPr>
+          </a:lstStyle>
+          <a:p>
+            <a:pPr algn="ctr"/>
+            <a:r>
+              <a:rPr lang="es-MX" dirty="0"/>
               <a:t>Maestría en Inteligencia Artificial Aplicada</a:t>
             </a:r>
           </a:p>
@@ -5058,7 +5619,7 @@
           <a:p>
             <a:fld id="{CB1609FD-DF6A-48E1-AB0E-C1FC18D4B9E7}" type="datetime1">
               <a:rPr lang="es-MX" smtClean="0"/>
-              <a:t>20/02/2023</a:t>
+              <a:t>21/02/2023</a:t>
             </a:fld>
             <a:endParaRPr lang="es-MX"/>
           </a:p>
@@ -5139,6 +5700,1232 @@
 </file>
 
 <file path=ppt/slides/slide2.xml><?xml version="1.0" encoding="utf-8"?>
+<p:sld xmlns:a="http://schemas.openxmlformats.org/drawingml/2006/main" xmlns:r="http://schemas.openxmlformats.org/officeDocument/2006/relationships" xmlns:p="http://schemas.openxmlformats.org/presentationml/2006/main">
+  <p:cSld>
+    <p:spTree>
+      <p:nvGrpSpPr>
+        <p:cNvPr id="1" name=""/>
+        <p:cNvGrpSpPr/>
+        <p:nvPr/>
+      </p:nvGrpSpPr>
+      <p:grpSpPr>
+        <a:xfrm>
+          <a:off x="0" y="0"/>
+          <a:ext cx="0" cy="0"/>
+          <a:chOff x="0" y="0"/>
+          <a:chExt cx="0" cy="0"/>
+        </a:xfrm>
+      </p:grpSpPr>
+      <p:sp>
+        <p:nvSpPr>
+          <p:cNvPr id="4" name="Date Placeholder 3">
+            <a:extLst>
+              <a:ext uri="{FF2B5EF4-FFF2-40B4-BE49-F238E27FC236}">
+                <a16:creationId xmlns:a16="http://schemas.microsoft.com/office/drawing/2014/main" id="{ED5254EE-602D-6C29-1592-86A2A2147830}"/>
+              </a:ext>
+            </a:extLst>
+          </p:cNvPr>
+          <p:cNvSpPr>
+            <a:spLocks noGrp="1"/>
+          </p:cNvSpPr>
+          <p:nvPr>
+            <p:ph type="dt" sz="half" idx="10"/>
+          </p:nvPr>
+        </p:nvSpPr>
+        <p:spPr/>
+        <p:txBody>
+          <a:bodyPr/>
+          <a:lstStyle/>
+          <a:p>
+            <a:fld id="{E0C065C9-BCFA-49DB-BFF1-34FB3EA57A6A}" type="datetime1">
+              <a:rPr lang="es-MX" smtClean="0"/>
+              <a:t>21/02/2023</a:t>
+            </a:fld>
+            <a:endParaRPr lang="es-MX"/>
+          </a:p>
+        </p:txBody>
+      </p:sp>
+      <p:sp>
+        <p:nvSpPr>
+          <p:cNvPr id="5" name="Footer Placeholder 4">
+            <a:extLst>
+              <a:ext uri="{FF2B5EF4-FFF2-40B4-BE49-F238E27FC236}">
+                <a16:creationId xmlns:a16="http://schemas.microsoft.com/office/drawing/2014/main" id="{BA9BA25E-08EF-2FB0-D92D-A43A4DA93BDA}"/>
+              </a:ext>
+            </a:extLst>
+          </p:cNvPr>
+          <p:cNvSpPr>
+            <a:spLocks noGrp="1"/>
+          </p:cNvSpPr>
+          <p:nvPr>
+            <p:ph type="ftr" sz="quarter" idx="11"/>
+          </p:nvPr>
+        </p:nvSpPr>
+        <p:spPr/>
+        <p:txBody>
+          <a:bodyPr/>
+          <a:lstStyle/>
+          <a:p>
+            <a:r>
+              <a:rPr lang="es-MX"/>
+              <a:t>Instituto Tecnológico y de Estudios Superiores de Monterrey</a:t>
+            </a:r>
+          </a:p>
+        </p:txBody>
+      </p:sp>
+      <p:sp>
+        <p:nvSpPr>
+          <p:cNvPr id="6" name="Slide Number Placeholder 5">
+            <a:extLst>
+              <a:ext uri="{FF2B5EF4-FFF2-40B4-BE49-F238E27FC236}">
+                <a16:creationId xmlns:a16="http://schemas.microsoft.com/office/drawing/2014/main" id="{0C55C0C1-CDF5-93A6-B11C-9297EC6BA946}"/>
+              </a:ext>
+            </a:extLst>
+          </p:cNvPr>
+          <p:cNvSpPr>
+            <a:spLocks noGrp="1"/>
+          </p:cNvSpPr>
+          <p:nvPr>
+            <p:ph type="sldNum" sz="quarter" idx="12"/>
+          </p:nvPr>
+        </p:nvSpPr>
+        <p:spPr/>
+        <p:txBody>
+          <a:bodyPr/>
+          <a:lstStyle/>
+          <a:p>
+            <a:fld id="{CC63734D-D8E1-40A4-8785-B460656629B3}" type="slidenum">
+              <a:rPr lang="es-MX" smtClean="0"/>
+              <a:t>2</a:t>
+            </a:fld>
+            <a:endParaRPr lang="es-MX"/>
+          </a:p>
+        </p:txBody>
+      </p:sp>
+      <p:grpSp>
+        <p:nvGrpSpPr>
+          <p:cNvPr id="46" name="Group 45">
+            <a:extLst>
+              <a:ext uri="{FF2B5EF4-FFF2-40B4-BE49-F238E27FC236}">
+                <a16:creationId xmlns:a16="http://schemas.microsoft.com/office/drawing/2014/main" id="{E0040760-19CA-2D96-5622-4D5E3AFBB570}"/>
+              </a:ext>
+            </a:extLst>
+          </p:cNvPr>
+          <p:cNvGrpSpPr/>
+          <p:nvPr/>
+        </p:nvGrpSpPr>
+        <p:grpSpPr>
+          <a:xfrm>
+            <a:off x="7856725" y="0"/>
+            <a:ext cx="4337674" cy="6356350"/>
+            <a:chOff x="7844071" y="-558043"/>
+            <a:chExt cx="4337674" cy="6356350"/>
+          </a:xfrm>
+        </p:grpSpPr>
+        <p:sp>
+          <p:nvSpPr>
+            <p:cNvPr id="18" name="Rectangle 17">
+              <a:extLst>
+                <a:ext uri="{FF2B5EF4-FFF2-40B4-BE49-F238E27FC236}">
+                  <a16:creationId xmlns:a16="http://schemas.microsoft.com/office/drawing/2014/main" id="{555C8154-78D0-2578-ABF9-7875BD154119}"/>
+                </a:ext>
+              </a:extLst>
+            </p:cNvPr>
+            <p:cNvSpPr/>
+            <p:nvPr/>
+          </p:nvSpPr>
+          <p:spPr>
+            <a:xfrm>
+              <a:off x="7850907" y="-537825"/>
+              <a:ext cx="1444752" cy="1581912"/>
+            </a:xfrm>
+            <a:prstGeom prst="rect">
+              <a:avLst/>
+            </a:prstGeom>
+            <a:solidFill>
+              <a:srgbClr val="0262B9"/>
+            </a:solidFill>
+          </p:spPr>
+          <p:style>
+            <a:lnRef idx="2">
+              <a:schemeClr val="accent1">
+                <a:shade val="50000"/>
+              </a:schemeClr>
+            </a:lnRef>
+            <a:fillRef idx="1">
+              <a:schemeClr val="accent1"/>
+            </a:fillRef>
+            <a:effectRef idx="0">
+              <a:schemeClr val="accent1"/>
+            </a:effectRef>
+            <a:fontRef idx="minor">
+              <a:schemeClr val="lt1"/>
+            </a:fontRef>
+          </p:style>
+          <p:txBody>
+            <a:bodyPr rtlCol="0" anchor="ctr"/>
+            <a:lstStyle/>
+            <a:p>
+              <a:pPr algn="ctr"/>
+              <a:endParaRPr lang="es-MX" dirty="0"/>
+            </a:p>
+          </p:txBody>
+        </p:sp>
+        <p:sp>
+          <p:nvSpPr>
+            <p:cNvPr id="19" name="Rectangle 18">
+              <a:extLst>
+                <a:ext uri="{FF2B5EF4-FFF2-40B4-BE49-F238E27FC236}">
+                  <a16:creationId xmlns:a16="http://schemas.microsoft.com/office/drawing/2014/main" id="{F98792C6-890C-E85D-2E9F-8A75CAB7B157}"/>
+                </a:ext>
+              </a:extLst>
+            </p:cNvPr>
+            <p:cNvSpPr/>
+            <p:nvPr/>
+          </p:nvSpPr>
+          <p:spPr>
+            <a:xfrm>
+              <a:off x="9299078" y="-558043"/>
+              <a:ext cx="1444752" cy="1604250"/>
+            </a:xfrm>
+            <a:prstGeom prst="rect">
+              <a:avLst/>
+            </a:prstGeom>
+            <a:ln>
+              <a:noFill/>
+            </a:ln>
+          </p:spPr>
+          <p:style>
+            <a:lnRef idx="2">
+              <a:schemeClr val="accent1">
+                <a:shade val="50000"/>
+              </a:schemeClr>
+            </a:lnRef>
+            <a:fillRef idx="1">
+              <a:schemeClr val="accent1"/>
+            </a:fillRef>
+            <a:effectRef idx="0">
+              <a:schemeClr val="accent1"/>
+            </a:effectRef>
+            <a:fontRef idx="minor">
+              <a:schemeClr val="lt1"/>
+            </a:fontRef>
+          </p:style>
+          <p:txBody>
+            <a:bodyPr rtlCol="0" anchor="ctr"/>
+            <a:lstStyle/>
+            <a:p>
+              <a:pPr algn="ctr"/>
+              <a:endParaRPr lang="es-MX" dirty="0"/>
+            </a:p>
+          </p:txBody>
+        </p:sp>
+        <p:sp>
+          <p:nvSpPr>
+            <p:cNvPr id="36" name="Rectangle 35">
+              <a:extLst>
+                <a:ext uri="{FF2B5EF4-FFF2-40B4-BE49-F238E27FC236}">
+                  <a16:creationId xmlns:a16="http://schemas.microsoft.com/office/drawing/2014/main" id="{24BC0DE0-F9F8-7171-FC60-D851A382052A}"/>
+                </a:ext>
+              </a:extLst>
+            </p:cNvPr>
+            <p:cNvSpPr/>
+            <p:nvPr/>
+          </p:nvSpPr>
+          <p:spPr>
+            <a:xfrm>
+              <a:off x="10734594" y="-558043"/>
+              <a:ext cx="1444752" cy="1611363"/>
+            </a:xfrm>
+            <a:prstGeom prst="rect">
+              <a:avLst/>
+            </a:prstGeom>
+            <a:solidFill>
+              <a:srgbClr val="0091E0"/>
+            </a:solidFill>
+            <a:ln>
+              <a:noFill/>
+            </a:ln>
+          </p:spPr>
+          <p:style>
+            <a:lnRef idx="2">
+              <a:schemeClr val="accent1">
+                <a:shade val="50000"/>
+              </a:schemeClr>
+            </a:lnRef>
+            <a:fillRef idx="1">
+              <a:schemeClr val="accent1"/>
+            </a:fillRef>
+            <a:effectRef idx="0">
+              <a:schemeClr val="accent1"/>
+            </a:effectRef>
+            <a:fontRef idx="minor">
+              <a:schemeClr val="lt1"/>
+            </a:fontRef>
+          </p:style>
+          <p:txBody>
+            <a:bodyPr rtlCol="0" anchor="ctr"/>
+            <a:lstStyle/>
+            <a:p>
+              <a:pPr algn="ctr"/>
+              <a:endParaRPr lang="es-MX" dirty="0"/>
+            </a:p>
+          </p:txBody>
+        </p:sp>
+        <p:sp>
+          <p:nvSpPr>
+            <p:cNvPr id="37" name="Rectangle 36">
+              <a:extLst>
+                <a:ext uri="{FF2B5EF4-FFF2-40B4-BE49-F238E27FC236}">
+                  <a16:creationId xmlns:a16="http://schemas.microsoft.com/office/drawing/2014/main" id="{5A057BDF-D507-2241-A8C1-143104EF4514}"/>
+                </a:ext>
+              </a:extLst>
+            </p:cNvPr>
+            <p:cNvSpPr/>
+            <p:nvPr/>
+          </p:nvSpPr>
+          <p:spPr>
+            <a:xfrm>
+              <a:off x="7856725" y="1048327"/>
+              <a:ext cx="1444752" cy="1581912"/>
+            </a:xfrm>
+            <a:prstGeom prst="rect">
+              <a:avLst/>
+            </a:prstGeom>
+            <a:solidFill>
+              <a:srgbClr val="31371B"/>
+            </a:solidFill>
+            <a:ln>
+              <a:noFill/>
+            </a:ln>
+          </p:spPr>
+          <p:style>
+            <a:lnRef idx="2">
+              <a:schemeClr val="accent1">
+                <a:shade val="50000"/>
+              </a:schemeClr>
+            </a:lnRef>
+            <a:fillRef idx="1">
+              <a:schemeClr val="accent1"/>
+            </a:fillRef>
+            <a:effectRef idx="0">
+              <a:schemeClr val="accent1"/>
+            </a:effectRef>
+            <a:fontRef idx="minor">
+              <a:schemeClr val="lt1"/>
+            </a:fontRef>
+          </p:style>
+          <p:txBody>
+            <a:bodyPr rtlCol="0" anchor="ctr"/>
+            <a:lstStyle/>
+            <a:p>
+              <a:pPr algn="ctr"/>
+              <a:endParaRPr lang="es-MX" dirty="0"/>
+            </a:p>
+          </p:txBody>
+        </p:sp>
+        <p:sp>
+          <p:nvSpPr>
+            <p:cNvPr id="38" name="Rectangle 37">
+              <a:extLst>
+                <a:ext uri="{FF2B5EF4-FFF2-40B4-BE49-F238E27FC236}">
+                  <a16:creationId xmlns:a16="http://schemas.microsoft.com/office/drawing/2014/main" id="{45E9C6B3-0C8C-9FE2-211E-383C4DA36B6A}"/>
+                </a:ext>
+              </a:extLst>
+            </p:cNvPr>
+            <p:cNvSpPr/>
+            <p:nvPr/>
+          </p:nvSpPr>
+          <p:spPr>
+            <a:xfrm>
+              <a:off x="9295659" y="1048327"/>
+              <a:ext cx="1444752" cy="1581912"/>
+            </a:xfrm>
+            <a:prstGeom prst="rect">
+              <a:avLst/>
+            </a:prstGeom>
+            <a:solidFill>
+              <a:srgbClr val="88878D"/>
+            </a:solidFill>
+            <a:ln>
+              <a:noFill/>
+            </a:ln>
+          </p:spPr>
+          <p:style>
+            <a:lnRef idx="2">
+              <a:schemeClr val="accent1">
+                <a:shade val="50000"/>
+              </a:schemeClr>
+            </a:lnRef>
+            <a:fillRef idx="1">
+              <a:schemeClr val="accent1"/>
+            </a:fillRef>
+            <a:effectRef idx="0">
+              <a:schemeClr val="accent1"/>
+            </a:effectRef>
+            <a:fontRef idx="minor">
+              <a:schemeClr val="lt1"/>
+            </a:fontRef>
+          </p:style>
+          <p:txBody>
+            <a:bodyPr rtlCol="0" anchor="ctr"/>
+            <a:lstStyle/>
+            <a:p>
+              <a:pPr algn="ctr"/>
+              <a:endParaRPr lang="es-MX" dirty="0"/>
+            </a:p>
+          </p:txBody>
+        </p:sp>
+        <p:sp>
+          <p:nvSpPr>
+            <p:cNvPr id="39" name="Rectangle 38">
+              <a:extLst>
+                <a:ext uri="{FF2B5EF4-FFF2-40B4-BE49-F238E27FC236}">
+                  <a16:creationId xmlns:a16="http://schemas.microsoft.com/office/drawing/2014/main" id="{55B96153-AEA1-E39B-EDBF-62C622C8F639}"/>
+                </a:ext>
+              </a:extLst>
+            </p:cNvPr>
+            <p:cNvSpPr/>
+            <p:nvPr/>
+          </p:nvSpPr>
+          <p:spPr>
+            <a:xfrm>
+              <a:off x="10731175" y="1048327"/>
+              <a:ext cx="1444752" cy="1581912"/>
+            </a:xfrm>
+            <a:prstGeom prst="rect">
+              <a:avLst/>
+            </a:prstGeom>
+            <a:solidFill>
+              <a:srgbClr val="63714E"/>
+            </a:solidFill>
+            <a:ln>
+              <a:noFill/>
+            </a:ln>
+          </p:spPr>
+          <p:style>
+            <a:lnRef idx="2">
+              <a:schemeClr val="accent1">
+                <a:shade val="50000"/>
+              </a:schemeClr>
+            </a:lnRef>
+            <a:fillRef idx="1">
+              <a:schemeClr val="accent1"/>
+            </a:fillRef>
+            <a:effectRef idx="0">
+              <a:schemeClr val="accent1"/>
+            </a:effectRef>
+            <a:fontRef idx="minor">
+              <a:schemeClr val="lt1"/>
+            </a:fontRef>
+          </p:style>
+          <p:txBody>
+            <a:bodyPr rtlCol="0" anchor="ctr"/>
+            <a:lstStyle/>
+            <a:p>
+              <a:pPr algn="ctr"/>
+              <a:endParaRPr lang="es-MX" dirty="0"/>
+            </a:p>
+          </p:txBody>
+        </p:sp>
+        <p:sp>
+          <p:nvSpPr>
+            <p:cNvPr id="40" name="Rectangle 39">
+              <a:extLst>
+                <a:ext uri="{FF2B5EF4-FFF2-40B4-BE49-F238E27FC236}">
+                  <a16:creationId xmlns:a16="http://schemas.microsoft.com/office/drawing/2014/main" id="{C2AF211C-2E40-6A9F-1187-7AB79BC04BD4}"/>
+                </a:ext>
+              </a:extLst>
+            </p:cNvPr>
+            <p:cNvSpPr/>
+            <p:nvPr/>
+          </p:nvSpPr>
+          <p:spPr>
+            <a:xfrm>
+              <a:off x="7847490" y="2632359"/>
+              <a:ext cx="1444752" cy="1581912"/>
+            </a:xfrm>
+            <a:prstGeom prst="rect">
+              <a:avLst/>
+            </a:prstGeom>
+            <a:solidFill>
+              <a:srgbClr val="0B5511"/>
+            </a:solidFill>
+            <a:ln>
+              <a:noFill/>
+            </a:ln>
+          </p:spPr>
+          <p:style>
+            <a:lnRef idx="2">
+              <a:schemeClr val="accent1">
+                <a:shade val="50000"/>
+              </a:schemeClr>
+            </a:lnRef>
+            <a:fillRef idx="1">
+              <a:schemeClr val="accent1"/>
+            </a:fillRef>
+            <a:effectRef idx="0">
+              <a:schemeClr val="accent1"/>
+            </a:effectRef>
+            <a:fontRef idx="minor">
+              <a:schemeClr val="lt1"/>
+            </a:fontRef>
+          </p:style>
+          <p:txBody>
+            <a:bodyPr rtlCol="0" anchor="ctr"/>
+            <a:lstStyle/>
+            <a:p>
+              <a:pPr algn="ctr"/>
+              <a:endParaRPr lang="es-MX" dirty="0"/>
+            </a:p>
+          </p:txBody>
+        </p:sp>
+        <p:sp>
+          <p:nvSpPr>
+            <p:cNvPr id="41" name="Rectangle 40">
+              <a:extLst>
+                <a:ext uri="{FF2B5EF4-FFF2-40B4-BE49-F238E27FC236}">
+                  <a16:creationId xmlns:a16="http://schemas.microsoft.com/office/drawing/2014/main" id="{E066DF3A-0C74-0AA2-2FD3-6718397149F8}"/>
+                </a:ext>
+              </a:extLst>
+            </p:cNvPr>
+            <p:cNvSpPr/>
+            <p:nvPr/>
+          </p:nvSpPr>
+          <p:spPr>
+            <a:xfrm>
+              <a:off x="9286424" y="2632359"/>
+              <a:ext cx="1444752" cy="1581912"/>
+            </a:xfrm>
+            <a:prstGeom prst="rect">
+              <a:avLst/>
+            </a:prstGeom>
+            <a:solidFill>
+              <a:srgbClr val="045A7D"/>
+            </a:solidFill>
+          </p:spPr>
+          <p:style>
+            <a:lnRef idx="2">
+              <a:schemeClr val="accent1">
+                <a:shade val="50000"/>
+              </a:schemeClr>
+            </a:lnRef>
+            <a:fillRef idx="1">
+              <a:schemeClr val="accent1"/>
+            </a:fillRef>
+            <a:effectRef idx="0">
+              <a:schemeClr val="accent1"/>
+            </a:effectRef>
+            <a:fontRef idx="minor">
+              <a:schemeClr val="lt1"/>
+            </a:fontRef>
+          </p:style>
+          <p:txBody>
+            <a:bodyPr rtlCol="0" anchor="ctr"/>
+            <a:lstStyle/>
+            <a:p>
+              <a:pPr algn="ctr"/>
+              <a:endParaRPr lang="es-MX" dirty="0"/>
+            </a:p>
+          </p:txBody>
+        </p:sp>
+        <p:sp>
+          <p:nvSpPr>
+            <p:cNvPr id="42" name="Rectangle 41">
+              <a:extLst>
+                <a:ext uri="{FF2B5EF4-FFF2-40B4-BE49-F238E27FC236}">
+                  <a16:creationId xmlns:a16="http://schemas.microsoft.com/office/drawing/2014/main" id="{632C0F10-20D0-F295-1DCA-3C73947B7A2D}"/>
+                </a:ext>
+              </a:extLst>
+            </p:cNvPr>
+            <p:cNvSpPr/>
+            <p:nvPr/>
+          </p:nvSpPr>
+          <p:spPr>
+            <a:xfrm>
+              <a:off x="10731176" y="2632359"/>
+              <a:ext cx="1444752" cy="1581912"/>
+            </a:xfrm>
+            <a:prstGeom prst="rect">
+              <a:avLst/>
+            </a:prstGeom>
+            <a:solidFill>
+              <a:srgbClr val="012554"/>
+            </a:solidFill>
+            <a:ln>
+              <a:noFill/>
+            </a:ln>
+          </p:spPr>
+          <p:style>
+            <a:lnRef idx="2">
+              <a:schemeClr val="accent1">
+                <a:shade val="50000"/>
+              </a:schemeClr>
+            </a:lnRef>
+            <a:fillRef idx="1">
+              <a:schemeClr val="accent1"/>
+            </a:fillRef>
+            <a:effectRef idx="0">
+              <a:schemeClr val="accent1"/>
+            </a:effectRef>
+            <a:fontRef idx="minor">
+              <a:schemeClr val="lt1"/>
+            </a:fontRef>
+          </p:style>
+          <p:txBody>
+            <a:bodyPr rtlCol="0" anchor="ctr"/>
+            <a:lstStyle/>
+            <a:p>
+              <a:pPr algn="ctr"/>
+              <a:endParaRPr lang="es-MX" dirty="0"/>
+            </a:p>
+          </p:txBody>
+        </p:sp>
+        <p:sp>
+          <p:nvSpPr>
+            <p:cNvPr id="43" name="Rectangle 42">
+              <a:extLst>
+                <a:ext uri="{FF2B5EF4-FFF2-40B4-BE49-F238E27FC236}">
+                  <a16:creationId xmlns:a16="http://schemas.microsoft.com/office/drawing/2014/main" id="{047251B5-509A-4431-4BF9-3B6AD8CE9299}"/>
+                </a:ext>
+              </a:extLst>
+            </p:cNvPr>
+            <p:cNvSpPr/>
+            <p:nvPr/>
+          </p:nvSpPr>
+          <p:spPr>
+            <a:xfrm>
+              <a:off x="7844071" y="4216395"/>
+              <a:ext cx="1444752" cy="1581912"/>
+            </a:xfrm>
+            <a:prstGeom prst="rect">
+              <a:avLst/>
+            </a:prstGeom>
+            <a:solidFill>
+              <a:srgbClr val="6A712A"/>
+            </a:solidFill>
+          </p:spPr>
+          <p:style>
+            <a:lnRef idx="2">
+              <a:schemeClr val="accent1">
+                <a:shade val="50000"/>
+              </a:schemeClr>
+            </a:lnRef>
+            <a:fillRef idx="1">
+              <a:schemeClr val="accent1"/>
+            </a:fillRef>
+            <a:effectRef idx="0">
+              <a:schemeClr val="accent1"/>
+            </a:effectRef>
+            <a:fontRef idx="minor">
+              <a:schemeClr val="lt1"/>
+            </a:fontRef>
+          </p:style>
+          <p:txBody>
+            <a:bodyPr rtlCol="0" anchor="ctr"/>
+            <a:lstStyle/>
+            <a:p>
+              <a:pPr algn="ctr"/>
+              <a:endParaRPr lang="es-MX" dirty="0"/>
+            </a:p>
+          </p:txBody>
+        </p:sp>
+        <p:sp>
+          <p:nvSpPr>
+            <p:cNvPr id="44" name="Rectangle 43">
+              <a:extLst>
+                <a:ext uri="{FF2B5EF4-FFF2-40B4-BE49-F238E27FC236}">
+                  <a16:creationId xmlns:a16="http://schemas.microsoft.com/office/drawing/2014/main" id="{06C04A7E-7D35-B64F-D085-C19081281924}"/>
+                </a:ext>
+              </a:extLst>
+            </p:cNvPr>
+            <p:cNvSpPr/>
+            <p:nvPr/>
+          </p:nvSpPr>
+          <p:spPr>
+            <a:xfrm>
+              <a:off x="9292241" y="4216395"/>
+              <a:ext cx="1444752" cy="1581912"/>
+            </a:xfrm>
+            <a:prstGeom prst="rect">
+              <a:avLst/>
+            </a:prstGeom>
+            <a:solidFill>
+              <a:srgbClr val="07C0CF"/>
+            </a:solidFill>
+            <a:ln>
+              <a:noFill/>
+            </a:ln>
+          </p:spPr>
+          <p:style>
+            <a:lnRef idx="2">
+              <a:schemeClr val="accent1">
+                <a:shade val="50000"/>
+              </a:schemeClr>
+            </a:lnRef>
+            <a:fillRef idx="1">
+              <a:schemeClr val="accent1"/>
+            </a:fillRef>
+            <a:effectRef idx="0">
+              <a:schemeClr val="accent1"/>
+            </a:effectRef>
+            <a:fontRef idx="minor">
+              <a:schemeClr val="lt1"/>
+            </a:fontRef>
+          </p:style>
+          <p:txBody>
+            <a:bodyPr rtlCol="0" anchor="ctr"/>
+            <a:lstStyle/>
+            <a:p>
+              <a:pPr algn="ctr"/>
+              <a:endParaRPr lang="es-MX" dirty="0"/>
+            </a:p>
+          </p:txBody>
+        </p:sp>
+        <p:sp>
+          <p:nvSpPr>
+            <p:cNvPr id="45" name="Rectangle 44">
+              <a:extLst>
+                <a:ext uri="{FF2B5EF4-FFF2-40B4-BE49-F238E27FC236}">
+                  <a16:creationId xmlns:a16="http://schemas.microsoft.com/office/drawing/2014/main" id="{8E6FB8B1-1418-21B2-4A2E-0F5C4D1DA754}"/>
+                </a:ext>
+              </a:extLst>
+            </p:cNvPr>
+            <p:cNvSpPr/>
+            <p:nvPr/>
+          </p:nvSpPr>
+          <p:spPr>
+            <a:xfrm>
+              <a:off x="10736993" y="4216395"/>
+              <a:ext cx="1444752" cy="1581912"/>
+            </a:xfrm>
+            <a:prstGeom prst="rect">
+              <a:avLst/>
+            </a:prstGeom>
+            <a:solidFill>
+              <a:srgbClr val="79CFB5"/>
+            </a:solidFill>
+            <a:ln>
+              <a:noFill/>
+            </a:ln>
+          </p:spPr>
+          <p:style>
+            <a:lnRef idx="2">
+              <a:schemeClr val="accent1">
+                <a:shade val="50000"/>
+              </a:schemeClr>
+            </a:lnRef>
+            <a:fillRef idx="1">
+              <a:schemeClr val="accent1"/>
+            </a:fillRef>
+            <a:effectRef idx="0">
+              <a:schemeClr val="accent1"/>
+            </a:effectRef>
+            <a:fontRef idx="minor">
+              <a:schemeClr val="lt1"/>
+            </a:fontRef>
+          </p:style>
+          <p:txBody>
+            <a:bodyPr rtlCol="0" anchor="ctr"/>
+            <a:lstStyle/>
+            <a:p>
+              <a:pPr algn="ctr"/>
+              <a:endParaRPr lang="es-MX" dirty="0"/>
+            </a:p>
+          </p:txBody>
+        </p:sp>
+      </p:grpSp>
+      <p:sp>
+        <p:nvSpPr>
+          <p:cNvPr id="8" name="Rectangle 7">
+            <a:extLst>
+              <a:ext uri="{FF2B5EF4-FFF2-40B4-BE49-F238E27FC236}">
+                <a16:creationId xmlns:a16="http://schemas.microsoft.com/office/drawing/2014/main" id="{778A1674-E909-5AE2-F34D-7FCF066B0592}"/>
+              </a:ext>
+            </a:extLst>
+          </p:cNvPr>
+          <p:cNvSpPr/>
+          <p:nvPr/>
+        </p:nvSpPr>
+        <p:spPr>
+          <a:xfrm>
+            <a:off x="0" y="0"/>
+            <a:ext cx="5227608" cy="6356350"/>
+          </a:xfrm>
+          <a:prstGeom prst="rect">
+            <a:avLst/>
+          </a:prstGeom>
+          <a:solidFill>
+            <a:srgbClr val="0658A6"/>
+          </a:solidFill>
+          <a:ln>
+            <a:noFill/>
+          </a:ln>
+        </p:spPr>
+        <p:style>
+          <a:lnRef idx="2">
+            <a:schemeClr val="accent1">
+              <a:shade val="50000"/>
+            </a:schemeClr>
+          </a:lnRef>
+          <a:fillRef idx="1">
+            <a:schemeClr val="accent1"/>
+          </a:fillRef>
+          <a:effectRef idx="0">
+            <a:schemeClr val="accent1"/>
+          </a:effectRef>
+          <a:fontRef idx="minor">
+            <a:schemeClr val="lt1"/>
+          </a:fontRef>
+        </p:style>
+        <p:txBody>
+          <a:bodyPr rtlCol="0" anchor="ctr"/>
+          <a:lstStyle/>
+          <a:p>
+            <a:endParaRPr lang="es-MX" dirty="0"/>
+          </a:p>
+        </p:txBody>
+      </p:sp>
+      <p:pic>
+        <p:nvPicPr>
+          <p:cNvPr id="47" name="Picture 46">
+            <a:extLst>
+              <a:ext uri="{FF2B5EF4-FFF2-40B4-BE49-F238E27FC236}">
+                <a16:creationId xmlns:a16="http://schemas.microsoft.com/office/drawing/2014/main" id="{FAAD8C08-3988-00A6-27E5-59AA55D0E25E}"/>
+              </a:ext>
+            </a:extLst>
+          </p:cNvPr>
+          <p:cNvPicPr>
+            <a:picLocks noChangeAspect="1"/>
+          </p:cNvPicPr>
+          <p:nvPr/>
+        </p:nvPicPr>
+        <p:blipFill>
+          <a:blip r:embed="rId2">
+            <a:extLst>
+              <a:ext uri="{BEBA8EAE-BF5A-486C-A8C5-ECC9F3942E4B}">
+                <a14:imgProps xmlns:a14="http://schemas.microsoft.com/office/drawing/2010/main">
+                  <a14:imgLayer r:embed="rId3">
+                    <a14:imgEffect>
+                      <a14:backgroundRemoval t="2817" b="96479" l="3497" r="97203">
+                        <a14:foregroundMark x1="6294" y1="36620" x2="6294" y2="36620"/>
+                        <a14:foregroundMark x1="41259" y1="97887" x2="9790" y2="73239"/>
+                        <a14:foregroundMark x1="9790" y1="73239" x2="4196" y2="35211"/>
+                        <a14:foregroundMark x1="4196" y1="35211" x2="33566" y2="7042"/>
+                        <a14:foregroundMark x1="33566" y1="7042" x2="75524" y2="7746"/>
+                        <a14:foregroundMark x1="75524" y1="7746" x2="95105" y2="42254"/>
+                        <a14:foregroundMark x1="95105" y1="42254" x2="83916" y2="77465"/>
+                        <a14:foregroundMark x1="83916" y1="77465" x2="53846" y2="95775"/>
+                        <a14:foregroundMark x1="53846" y1="95775" x2="21678" y2="56338"/>
+                        <a14:foregroundMark x1="21678" y1="56338" x2="38462" y2="23239"/>
+                        <a14:foregroundMark x1="38462" y1="23239" x2="67832" y2="47887"/>
+                        <a14:foregroundMark x1="67832" y1="47887" x2="74126" y2="86620"/>
+                        <a14:foregroundMark x1="74126" y1="86620" x2="38462" y2="74648"/>
+                        <a14:foregroundMark x1="38462" y1="74648" x2="73427" y2="81690"/>
+                        <a14:foregroundMark x1="73427" y1="81690" x2="37762" y2="85915"/>
+                        <a14:foregroundMark x1="37762" y1="85915" x2="64336" y2="57746"/>
+                        <a14:foregroundMark x1="64336" y1="57746" x2="33566" y2="37324"/>
+                        <a14:foregroundMark x1="33566" y1="37324" x2="24476" y2="76761"/>
+                        <a14:foregroundMark x1="24476" y1="76761" x2="20979" y2="35211"/>
+                        <a14:foregroundMark x1="20979" y1="35211" x2="55245" y2="47887"/>
+                        <a14:foregroundMark x1="55245" y1="47887" x2="58042" y2="6338"/>
+                        <a14:foregroundMark x1="58042" y1="6338" x2="86713" y2="35915"/>
+                        <a14:foregroundMark x1="86713" y1="35915" x2="86713" y2="73239"/>
+                        <a14:foregroundMark x1="86713" y1="73239" x2="39860" y2="58451"/>
+                        <a14:foregroundMark x1="3497" y1="36620" x2="6294" y2="65493"/>
+                        <a14:foregroundMark x1="90909" y1="71127" x2="91608" y2="29577"/>
+                        <a14:foregroundMark x1="91608" y1="29577" x2="90909" y2="28873"/>
+                        <a14:foregroundMark x1="90909" y1="32394" x2="95804" y2="61972"/>
+                        <a14:foregroundMark x1="94406" y1="60563" x2="78322" y2="20423"/>
+                        <a14:foregroundMark x1="78322" y1="20423" x2="44755" y2="2817"/>
+                        <a14:foregroundMark x1="44755" y1="2817" x2="58741" y2="2817"/>
+                        <a14:foregroundMark x1="95804" y1="40845" x2="96503" y2="56338"/>
+                        <a14:foregroundMark x1="69930" y1="85211" x2="69930" y2="85211"/>
+                        <a14:foregroundMark x1="68531" y1="91549" x2="30070" y2="92958"/>
+                        <a14:foregroundMark x1="30070" y1="92958" x2="67832" y2="92958"/>
+                        <a14:foregroundMark x1="67832" y1="92958" x2="67832" y2="92958"/>
+                        <a14:foregroundMark x1="61538" y1="96479" x2="38462" y2="94366"/>
+                        <a14:foregroundMark x1="57343" y1="44366" x2="65035" y2="35915"/>
+                        <a14:foregroundMark x1="97203" y1="45070" x2="97203" y2="55634"/>
+                      </a14:backgroundRemoval>
+                    </a14:imgEffect>
+                  </a14:imgLayer>
+                </a14:imgProps>
+              </a:ext>
+            </a:extLst>
+          </a:blip>
+          <a:stretch>
+            <a:fillRect/>
+          </a:stretch>
+        </p:blipFill>
+        <p:spPr>
+          <a:xfrm>
+            <a:off x="11411587" y="6045898"/>
+            <a:ext cx="669091" cy="664412"/>
+          </a:xfrm>
+          <a:prstGeom prst="rect">
+            <a:avLst/>
+          </a:prstGeom>
+        </p:spPr>
+      </p:pic>
+      <p:sp>
+        <p:nvSpPr>
+          <p:cNvPr id="7" name="Parallelogram 6">
+            <a:extLst>
+              <a:ext uri="{FF2B5EF4-FFF2-40B4-BE49-F238E27FC236}">
+                <a16:creationId xmlns:a16="http://schemas.microsoft.com/office/drawing/2014/main" id="{90D4D921-5DFD-CCA6-B7C5-95C94C32B126}"/>
+              </a:ext>
+            </a:extLst>
+          </p:cNvPr>
+          <p:cNvSpPr/>
+          <p:nvPr/>
+        </p:nvSpPr>
+        <p:spPr>
+          <a:xfrm>
+            <a:off x="3446476" y="0"/>
+            <a:ext cx="5865178" cy="6356350"/>
+          </a:xfrm>
+          <a:prstGeom prst="parallelogram">
+            <a:avLst/>
+          </a:prstGeom>
+          <a:blipFill>
+            <a:blip r:embed="rId4"/>
+            <a:stretch>
+              <a:fillRect/>
+            </a:stretch>
+          </a:blipFill>
+          <a:ln>
+            <a:noFill/>
+          </a:ln>
+        </p:spPr>
+        <p:style>
+          <a:lnRef idx="2">
+            <a:schemeClr val="accent1">
+              <a:shade val="50000"/>
+            </a:schemeClr>
+          </a:lnRef>
+          <a:fillRef idx="1">
+            <a:schemeClr val="accent1"/>
+          </a:fillRef>
+          <a:effectRef idx="0">
+            <a:schemeClr val="accent1"/>
+          </a:effectRef>
+          <a:fontRef idx="minor">
+            <a:schemeClr val="lt1"/>
+          </a:fontRef>
+        </p:style>
+        <p:txBody>
+          <a:bodyPr rtlCol="0" anchor="ctr"/>
+          <a:lstStyle/>
+          <a:p>
+            <a:pPr algn="ctr"/>
+            <a:endParaRPr lang="es-MX" dirty="0"/>
+          </a:p>
+        </p:txBody>
+      </p:sp>
+      <p:cxnSp>
+        <p:nvCxnSpPr>
+          <p:cNvPr id="49" name="Straight Connector 48">
+            <a:extLst>
+              <a:ext uri="{FF2B5EF4-FFF2-40B4-BE49-F238E27FC236}">
+                <a16:creationId xmlns:a16="http://schemas.microsoft.com/office/drawing/2014/main" id="{8EE0AFD9-CD64-BDDC-A1E5-62E496610A95}"/>
+              </a:ext>
+            </a:extLst>
+          </p:cNvPr>
+          <p:cNvCxnSpPr>
+            <a:cxnSpLocks/>
+          </p:cNvCxnSpPr>
+          <p:nvPr/>
+        </p:nvCxnSpPr>
+        <p:spPr>
+          <a:xfrm>
+            <a:off x="5227608" y="20218"/>
+            <a:ext cx="0" cy="6336132"/>
+          </a:xfrm>
+          <a:prstGeom prst="line">
+            <a:avLst/>
+          </a:prstGeom>
+          <a:ln w="28575">
+            <a:solidFill>
+              <a:srgbClr val="FF0000"/>
+            </a:solidFill>
+          </a:ln>
+        </p:spPr>
+        <p:style>
+          <a:lnRef idx="1">
+            <a:schemeClr val="accent2"/>
+          </a:lnRef>
+          <a:fillRef idx="0">
+            <a:schemeClr val="accent2"/>
+          </a:fillRef>
+          <a:effectRef idx="0">
+            <a:schemeClr val="accent2"/>
+          </a:effectRef>
+          <a:fontRef idx="minor">
+            <a:schemeClr val="tx1"/>
+          </a:fontRef>
+        </p:style>
+      </p:cxnSp>
+      <p:cxnSp>
+        <p:nvCxnSpPr>
+          <p:cNvPr id="53" name="Straight Connector 52">
+            <a:extLst>
+              <a:ext uri="{FF2B5EF4-FFF2-40B4-BE49-F238E27FC236}">
+                <a16:creationId xmlns:a16="http://schemas.microsoft.com/office/drawing/2014/main" id="{425030CD-3A86-3AE9-19F6-C0AED3A9D721}"/>
+              </a:ext>
+            </a:extLst>
+          </p:cNvPr>
+          <p:cNvCxnSpPr>
+            <a:cxnSpLocks/>
+          </p:cNvCxnSpPr>
+          <p:nvPr/>
+        </p:nvCxnSpPr>
+        <p:spPr>
+          <a:xfrm>
+            <a:off x="7310408" y="0"/>
+            <a:ext cx="0" cy="6336132"/>
+          </a:xfrm>
+          <a:prstGeom prst="line">
+            <a:avLst/>
+          </a:prstGeom>
+          <a:ln w="28575">
+            <a:solidFill>
+              <a:srgbClr val="FF0000"/>
+            </a:solidFill>
+          </a:ln>
+        </p:spPr>
+        <p:style>
+          <a:lnRef idx="1">
+            <a:schemeClr val="accent2"/>
+          </a:lnRef>
+          <a:fillRef idx="0">
+            <a:schemeClr val="accent2"/>
+          </a:fillRef>
+          <a:effectRef idx="0">
+            <a:schemeClr val="accent2"/>
+          </a:effectRef>
+          <a:fontRef idx="minor">
+            <a:schemeClr val="tx1"/>
+          </a:fontRef>
+        </p:style>
+      </p:cxnSp>
+      <p:cxnSp>
+        <p:nvCxnSpPr>
+          <p:cNvPr id="54" name="Straight Connector 53">
+            <a:extLst>
+              <a:ext uri="{FF2B5EF4-FFF2-40B4-BE49-F238E27FC236}">
+                <a16:creationId xmlns:a16="http://schemas.microsoft.com/office/drawing/2014/main" id="{38CD856E-DC34-7B40-6553-94186E315552}"/>
+              </a:ext>
+            </a:extLst>
+          </p:cNvPr>
+          <p:cNvCxnSpPr>
+            <a:cxnSpLocks/>
+          </p:cNvCxnSpPr>
+          <p:nvPr/>
+        </p:nvCxnSpPr>
+        <p:spPr>
+          <a:xfrm flipH="1">
+            <a:off x="4544291" y="1602130"/>
+            <a:ext cx="4348018" cy="0"/>
+          </a:xfrm>
+          <a:prstGeom prst="line">
+            <a:avLst/>
+          </a:prstGeom>
+          <a:ln w="28575">
+            <a:solidFill>
+              <a:srgbClr val="FF0000"/>
+            </a:solidFill>
+          </a:ln>
+        </p:spPr>
+        <p:style>
+          <a:lnRef idx="1">
+            <a:schemeClr val="accent2"/>
+          </a:lnRef>
+          <a:fillRef idx="0">
+            <a:schemeClr val="accent2"/>
+          </a:fillRef>
+          <a:effectRef idx="0">
+            <a:schemeClr val="accent2"/>
+          </a:effectRef>
+          <a:fontRef idx="minor">
+            <a:schemeClr val="tx1"/>
+          </a:fontRef>
+        </p:style>
+      </p:cxnSp>
+      <p:cxnSp>
+        <p:nvCxnSpPr>
+          <p:cNvPr id="57" name="Straight Connector 56">
+            <a:extLst>
+              <a:ext uri="{FF2B5EF4-FFF2-40B4-BE49-F238E27FC236}">
+                <a16:creationId xmlns:a16="http://schemas.microsoft.com/office/drawing/2014/main" id="{BC182FC9-AE46-25E1-B2F6-FD3E4A1990B8}"/>
+              </a:ext>
+            </a:extLst>
+          </p:cNvPr>
+          <p:cNvCxnSpPr>
+            <a:cxnSpLocks/>
+            <a:endCxn id="7" idx="5"/>
+          </p:cNvCxnSpPr>
+          <p:nvPr/>
+        </p:nvCxnSpPr>
+        <p:spPr>
+          <a:xfrm flipH="1" flipV="1">
+            <a:off x="4179623" y="3178175"/>
+            <a:ext cx="4397078" cy="10107"/>
+          </a:xfrm>
+          <a:prstGeom prst="line">
+            <a:avLst/>
+          </a:prstGeom>
+          <a:ln w="28575">
+            <a:solidFill>
+              <a:srgbClr val="FF0000"/>
+            </a:solidFill>
+          </a:ln>
+        </p:spPr>
+        <p:style>
+          <a:lnRef idx="1">
+            <a:schemeClr val="accent2"/>
+          </a:lnRef>
+          <a:fillRef idx="0">
+            <a:schemeClr val="accent2"/>
+          </a:fillRef>
+          <a:effectRef idx="0">
+            <a:schemeClr val="accent2"/>
+          </a:effectRef>
+          <a:fontRef idx="minor">
+            <a:schemeClr val="tx1"/>
+          </a:fontRef>
+        </p:style>
+      </p:cxnSp>
+      <p:cxnSp>
+        <p:nvCxnSpPr>
+          <p:cNvPr id="58" name="Straight Connector 57">
+            <a:extLst>
+              <a:ext uri="{FF2B5EF4-FFF2-40B4-BE49-F238E27FC236}">
+                <a16:creationId xmlns:a16="http://schemas.microsoft.com/office/drawing/2014/main" id="{084EC46B-6275-3F91-2CDE-F8E3EF38F5A1}"/>
+              </a:ext>
+            </a:extLst>
+          </p:cNvPr>
+          <p:cNvCxnSpPr>
+            <a:cxnSpLocks/>
+          </p:cNvCxnSpPr>
+          <p:nvPr/>
+        </p:nvCxnSpPr>
+        <p:spPr>
+          <a:xfrm flipH="1">
+            <a:off x="3921991" y="4769432"/>
+            <a:ext cx="4348018" cy="0"/>
+          </a:xfrm>
+          <a:prstGeom prst="line">
+            <a:avLst/>
+          </a:prstGeom>
+          <a:ln w="28575">
+            <a:solidFill>
+              <a:srgbClr val="FF0000"/>
+            </a:solidFill>
+          </a:ln>
+        </p:spPr>
+        <p:style>
+          <a:lnRef idx="1">
+            <a:schemeClr val="accent2"/>
+          </a:lnRef>
+          <a:fillRef idx="0">
+            <a:schemeClr val="accent2"/>
+          </a:fillRef>
+          <a:effectRef idx="0">
+            <a:schemeClr val="accent2"/>
+          </a:effectRef>
+          <a:fontRef idx="minor">
+            <a:schemeClr val="tx1"/>
+          </a:fontRef>
+        </p:style>
+      </p:cxnSp>
+      <p:sp>
+        <p:nvSpPr>
+          <p:cNvPr id="59" name="TextBox 58">
+            <a:extLst>
+              <a:ext uri="{FF2B5EF4-FFF2-40B4-BE49-F238E27FC236}">
+                <a16:creationId xmlns:a16="http://schemas.microsoft.com/office/drawing/2014/main" id="{134C309E-ACFE-82CE-4CFE-56C42F539185}"/>
+              </a:ext>
+            </a:extLst>
+          </p:cNvPr>
+          <p:cNvSpPr txBox="1"/>
+          <p:nvPr/>
+        </p:nvSpPr>
+        <p:spPr>
+          <a:xfrm>
+            <a:off x="22352" y="2312499"/>
+            <a:ext cx="4016248" cy="1631216"/>
+          </a:xfrm>
+          <a:prstGeom prst="rect">
+            <a:avLst/>
+          </a:prstGeom>
+          <a:noFill/>
+        </p:spPr>
+        <p:txBody>
+          <a:bodyPr wrap="square" rtlCol="0">
+            <a:spAutoFit/>
+          </a:bodyPr>
+          <a:lstStyle/>
+          <a:p>
+            <a:r>
+              <a:rPr lang="en-US" sz="2800" dirty="0">
+                <a:solidFill>
+                  <a:schemeClr val="bg1"/>
+                </a:solidFill>
+              </a:rPr>
+              <a:t>What is </a:t>
+            </a:r>
+            <a:r>
+              <a:rPr lang="en-US" sz="2800" dirty="0" err="1">
+                <a:solidFill>
+                  <a:schemeClr val="bg1"/>
+                </a:solidFill>
+              </a:rPr>
+              <a:t>Superpixel</a:t>
+            </a:r>
+            <a:r>
+              <a:rPr lang="en-US" sz="2800" dirty="0">
+                <a:solidFill>
+                  <a:schemeClr val="bg1"/>
+                </a:solidFill>
+              </a:rPr>
+              <a:t>?</a:t>
+            </a:r>
+          </a:p>
+          <a:p>
+            <a:r>
+              <a:rPr lang="en-US" dirty="0">
+                <a:solidFill>
+                  <a:schemeClr val="bg1"/>
+                </a:solidFill>
+              </a:rPr>
+              <a:t>grouping pixels into primitive regions that are more perceptually meaningful than individual pixels</a:t>
+            </a:r>
+            <a:endParaRPr lang="es-MX" dirty="0">
+              <a:solidFill>
+                <a:schemeClr val="bg1"/>
+              </a:solidFill>
+            </a:endParaRPr>
+          </a:p>
+          <a:p>
+            <a:endParaRPr lang="es-MX" dirty="0"/>
+          </a:p>
+        </p:txBody>
+      </p:sp>
+    </p:spTree>
+    <p:extLst>
+      <p:ext uri="{BB962C8B-B14F-4D97-AF65-F5344CB8AC3E}">
+        <p14:creationId xmlns:p14="http://schemas.microsoft.com/office/powerpoint/2010/main" val="3455663656"/>
+      </p:ext>
+    </p:extLst>
+  </p:cSld>
+  <p:clrMapOvr>
+    <a:masterClrMapping/>
+  </p:clrMapOvr>
+</p:sld>
+</file>
+
+<file path=ppt/slides/slide3.xml><?xml version="1.0" encoding="utf-8"?>
 <p:sld xmlns:a="http://schemas.openxmlformats.org/drawingml/2006/main" xmlns:r="http://schemas.openxmlformats.org/officeDocument/2006/relationships" xmlns:p="http://schemas.openxmlformats.org/presentationml/2006/main">
   <p:cSld>
     <p:spTree>
@@ -5711,6 +7498,11 @@
             <a:r>
               <a:rPr lang="en-US" b="1" dirty="0" err="1">
                 <a:effectLst>
+                  <a:glow rad="139700">
+                    <a:schemeClr val="bg1">
+                      <a:alpha val="40000"/>
+                    </a:schemeClr>
+                  </a:glow>
                   <a:outerShdw blurRad="50800" dist="38100" dir="2700000" algn="tl" rotWithShape="0">
                     <a:prstClr val="black">
                       <a:alpha val="40000"/>
@@ -5722,6 +7514,11 @@
             </a:r>
             <a:endParaRPr lang="es-MX" b="1" dirty="0">
               <a:effectLst>
+                <a:glow rad="139700">
+                  <a:schemeClr val="bg1">
+                    <a:alpha val="40000"/>
+                  </a:schemeClr>
+                </a:glow>
                 <a:outerShdw blurRad="50800" dist="38100" dir="2700000" algn="tl" rotWithShape="0">
                   <a:prstClr val="black">
                     <a:alpha val="40000"/>
@@ -5803,7 +7600,7 @@
           <a:p>
             <a:fld id="{55165EAB-6A4B-40EF-AA8F-DFD1F3E68FCA}" type="datetime1">
               <a:rPr lang="es-MX" smtClean="0"/>
-              <a:t>20/02/2023</a:t>
+              <a:t>21/02/2023</a:t>
             </a:fld>
             <a:endParaRPr lang="es-MX"/>
           </a:p>
@@ -5870,7 +7667,7 @@
           <a:p>
             <a:fld id="{CC63734D-D8E1-40A4-8785-B460656629B3}" type="slidenum">
               <a:rPr lang="es-MX" smtClean="0"/>
-              <a:t>2</a:t>
+              <a:t>3</a:t>
             </a:fld>
             <a:endParaRPr lang="es-MX" dirty="0"/>
           </a:p>
@@ -6490,7 +8287,7 @@
 </p:sld>
 </file>
 
-<file path=ppt/slides/slide3.xml><?xml version="1.0" encoding="utf-8"?>
+<file path=ppt/slides/slide4.xml><?xml version="1.0" encoding="utf-8"?>
 <p:sld xmlns:a="http://schemas.openxmlformats.org/drawingml/2006/main" xmlns:r="http://schemas.openxmlformats.org/officeDocument/2006/relationships" xmlns:p="http://schemas.openxmlformats.org/presentationml/2006/main">
   <p:cSld>
     <p:spTree>
@@ -7003,7 +8800,7 @@
           </a:xfrm>
         </p:spPr>
         <p:txBody>
-          <a:bodyPr anchor="t">
+          <a:bodyPr vert="horz" lIns="91440" tIns="45720" rIns="91440" bIns="45720" rtlCol="0" anchor="t">
             <a:normAutofit/>
           </a:bodyPr>
           <a:lstStyle/>
@@ -7011,6 +8808,11 @@
             <a:r>
               <a:rPr lang="en-US" b="1" dirty="0" err="1">
                 <a:effectLst>
+                  <a:glow rad="139700">
+                    <a:schemeClr val="bg1">
+                      <a:alpha val="40000"/>
+                    </a:schemeClr>
+                  </a:glow>
                   <a:outerShdw blurRad="50800" dist="38100" dir="2700000" algn="tl" rotWithShape="0">
                     <a:prstClr val="black">
                       <a:alpha val="40000"/>
@@ -7022,6 +8824,11 @@
             </a:r>
             <a:endParaRPr lang="es-MX" b="1" dirty="0">
               <a:effectLst>
+                <a:glow rad="139700">
+                  <a:schemeClr val="bg1">
+                    <a:alpha val="40000"/>
+                  </a:schemeClr>
+                </a:glow>
                 <a:outerShdw blurRad="50800" dist="38100" dir="2700000" algn="tl" rotWithShape="0">
                   <a:prstClr val="black">
                     <a:alpha val="40000"/>
@@ -7103,7 +8910,7 @@
           <a:p>
             <a:fld id="{55165EAB-6A4B-40EF-AA8F-DFD1F3E68FCA}" type="datetime1">
               <a:rPr lang="es-MX" smtClean="0"/>
-              <a:t>20/02/2023</a:t>
+              <a:t>21/02/2023</a:t>
             </a:fld>
             <a:endParaRPr lang="es-MX"/>
           </a:p>
@@ -7170,7 +8977,7 @@
           <a:p>
             <a:fld id="{CC63734D-D8E1-40A4-8785-B460656629B3}" type="slidenum">
               <a:rPr lang="es-MX" smtClean="0"/>
-              <a:t>3</a:t>
+              <a:t>4</a:t>
             </a:fld>
             <a:endParaRPr lang="es-MX" dirty="0"/>
           </a:p>
@@ -7271,7 +9078,7 @@
 </p:sld>
 </file>
 
-<file path=ppt/slides/slide4.xml><?xml version="1.0" encoding="utf-8"?>
+<file path=ppt/slides/slide5.xml><?xml version="1.0" encoding="utf-8"?>
 <p:sld xmlns:a="http://schemas.openxmlformats.org/drawingml/2006/main" xmlns:r="http://schemas.openxmlformats.org/officeDocument/2006/relationships" xmlns:p="http://schemas.openxmlformats.org/presentationml/2006/main">
   <p:cSld>
     <p:bg>
@@ -7864,7 +9671,7 @@
           <a:p>
             <a:fld id="{B79B42D0-A5CE-4884-9D5C-A2BA25C13670}" type="datetime1">
               <a:rPr lang="es-MX" smtClean="0"/>
-              <a:t>20/02/2023</a:t>
+              <a:t>21/02/2023</a:t>
             </a:fld>
             <a:endParaRPr lang="es-MX"/>
           </a:p>
@@ -7921,7 +9728,7 @@
           <a:p>
             <a:fld id="{CC63734D-D8E1-40A4-8785-B460656629B3}" type="slidenum">
               <a:rPr lang="es-MX" smtClean="0"/>
-              <a:t>4</a:t>
+              <a:t>5</a:t>
             </a:fld>
             <a:endParaRPr lang="es-MX"/>
           </a:p>
@@ -7940,7 +9747,7 @@
 </p:sld>
 </file>
 
-<file path=ppt/slides/slide5.xml><?xml version="1.0" encoding="utf-8"?>
+<file path=ppt/slides/slide6.xml><?xml version="1.0" encoding="utf-8"?>
 <p:sld xmlns:a="http://schemas.openxmlformats.org/drawingml/2006/main" xmlns:r="http://schemas.openxmlformats.org/officeDocument/2006/relationships" xmlns:p="http://schemas.openxmlformats.org/presentationml/2006/main">
   <p:cSld>
     <p:bg>
@@ -8278,7 +10085,7 @@
           <a:p>
             <a:fld id="{D9C1168D-A888-4796-956D-C5EA90EFEDF6}" type="datetime1">
               <a:rPr lang="es-MX" smtClean="0"/>
-              <a:t>20/02/2023</a:t>
+              <a:t>21/02/2023</a:t>
             </a:fld>
             <a:endParaRPr lang="es-MX"/>
           </a:p>
@@ -8335,7 +10142,7 @@
           <a:p>
             <a:fld id="{CC63734D-D8E1-40A4-8785-B460656629B3}" type="slidenum">
               <a:rPr lang="es-MX" smtClean="0"/>
-              <a:t>5</a:t>
+              <a:t>6</a:t>
             </a:fld>
             <a:endParaRPr lang="es-MX"/>
           </a:p>
